--- a/django_ppt/blog_ppt/3장. blog 회원 관리.pptx
+++ b/django_ppt/blog_ppt/3장. blog 회원 관리.pptx
@@ -5,7 +5,7 @@
     <p:sldMasterId id="2147483648" r:id="rId1"/>
   </p:sldMasterIdLst>
   <p:notesMasterIdLst>
-    <p:notesMasterId r:id="rId30"/>
+    <p:notesMasterId r:id="rId42"/>
   </p:notesMasterIdLst>
   <p:sldIdLst>
     <p:sldId id="256" r:id="rId2"/>
@@ -35,7 +35,19 @@
     <p:sldId id="432" r:id="rId26"/>
     <p:sldId id="433" r:id="rId27"/>
     <p:sldId id="434" r:id="rId28"/>
-    <p:sldId id="435" r:id="rId29"/>
+    <p:sldId id="448" r:id="rId29"/>
+    <p:sldId id="435" r:id="rId30"/>
+    <p:sldId id="445" r:id="rId31"/>
+    <p:sldId id="446" r:id="rId32"/>
+    <p:sldId id="447" r:id="rId33"/>
+    <p:sldId id="439" r:id="rId34"/>
+    <p:sldId id="440" r:id="rId35"/>
+    <p:sldId id="441" r:id="rId36"/>
+    <p:sldId id="442" r:id="rId37"/>
+    <p:sldId id="443" r:id="rId38"/>
+    <p:sldId id="444" r:id="rId39"/>
+    <p:sldId id="449" r:id="rId40"/>
+    <p:sldId id="450" r:id="rId41"/>
   </p:sldIdLst>
   <p:sldSz cx="9906000" cy="6858000" type="A4"/>
   <p:notesSz cx="6858000" cy="9144000"/>
@@ -235,7 +247,7 @@
           <a:p>
             <a:fld id="{7665CDAC-D627-4E87-877A-1B781DD4CADC}" type="datetimeFigureOut">
               <a:rPr lang="ko-KR" altLang="en-US" smtClean="0"/>
-              <a:t>2023-06-26</a:t>
+              <a:t>2023-07-07</a:t>
             </a:fld>
             <a:endParaRPr lang="ko-KR" altLang="en-US"/>
           </a:p>
@@ -647,7 +659,7 @@
           <a:p>
             <a:fld id="{C25BCFD5-C4DF-4EBC-B718-C69ED2FBDE6F}" type="datetime1">
               <a:rPr lang="ko-KR" altLang="en-US" smtClean="0"/>
-              <a:t>2023-06-26</a:t>
+              <a:t>2023-07-07</a:t>
             </a:fld>
             <a:endParaRPr lang="ko-KR" altLang="en-US"/>
           </a:p>
@@ -1098,7 +1110,7 @@
           <a:p>
             <a:fld id="{AB448CD7-D367-43D5-B461-ACE552E75063}" type="datetime1">
               <a:rPr lang="ko-KR" altLang="en-US" smtClean="0"/>
-              <a:t>2023-06-26</a:t>
+              <a:t>2023-07-07</a:t>
             </a:fld>
             <a:endParaRPr lang="ko-KR" altLang="en-US"/>
           </a:p>
@@ -1276,7 +1288,7 @@
           <a:p>
             <a:fld id="{B6E49E79-7361-4780-8BEF-7EDE3708298A}" type="datetime1">
               <a:rPr lang="ko-KR" altLang="en-US" smtClean="0"/>
-              <a:t>2023-06-26</a:t>
+              <a:t>2023-07-07</a:t>
             </a:fld>
             <a:endParaRPr lang="ko-KR" altLang="en-US"/>
           </a:p>
@@ -1448,7 +1460,7 @@
           <a:p>
             <a:fld id="{A4D42E3C-B70B-437C-85CF-1286301B9CBA}" type="datetime1">
               <a:rPr lang="ko-KR" altLang="en-US" smtClean="0"/>
-              <a:t>2023-06-26</a:t>
+              <a:t>2023-07-07</a:t>
             </a:fld>
             <a:endParaRPr lang="ko-KR" altLang="en-US"/>
           </a:p>
@@ -1700,7 +1712,7 @@
           <a:p>
             <a:fld id="{B3369A20-5B3D-4D98-A822-26B93D177A40}" type="datetime1">
               <a:rPr lang="ko-KR" altLang="en-US" smtClean="0"/>
-              <a:t>2023-06-26</a:t>
+              <a:t>2023-07-07</a:t>
             </a:fld>
             <a:endParaRPr lang="ko-KR" altLang="en-US"/>
           </a:p>
@@ -1985,7 +1997,7 @@
           <a:p>
             <a:fld id="{685CD4CE-9E43-4F70-A9D8-A2130CA7D92A}" type="datetime1">
               <a:rPr lang="ko-KR" altLang="en-US" smtClean="0"/>
-              <a:t>2023-06-26</a:t>
+              <a:t>2023-07-07</a:t>
             </a:fld>
             <a:endParaRPr lang="ko-KR" altLang="en-US"/>
           </a:p>
@@ -2411,7 +2423,7 @@
           <a:p>
             <a:fld id="{F752BD92-DA3E-4A0B-90C9-7DE5E15B6E96}" type="datetime1">
               <a:rPr lang="ko-KR" altLang="en-US" smtClean="0"/>
-              <a:t>2023-06-26</a:t>
+              <a:t>2023-07-07</a:t>
             </a:fld>
             <a:endParaRPr lang="ko-KR" altLang="en-US"/>
           </a:p>
@@ -2535,7 +2547,7 @@
           <a:p>
             <a:fld id="{8EA2B83A-F366-424E-B742-340ACF856BB5}" type="datetime1">
               <a:rPr lang="ko-KR" altLang="en-US" smtClean="0"/>
-              <a:t>2023-06-26</a:t>
+              <a:t>2023-07-07</a:t>
             </a:fld>
             <a:endParaRPr lang="ko-KR" altLang="en-US"/>
           </a:p>
@@ -2630,7 +2642,7 @@
           <a:p>
             <a:fld id="{9A49D68B-5DBD-48E9-A8D4-FCBC4B3DD9C6}" type="datetime1">
               <a:rPr lang="ko-KR" altLang="en-US" smtClean="0"/>
-              <a:t>2023-06-26</a:t>
+              <a:t>2023-07-07</a:t>
             </a:fld>
             <a:endParaRPr lang="ko-KR" altLang="en-US"/>
           </a:p>
@@ -2905,7 +2917,7 @@
           <a:p>
             <a:fld id="{4CAB534F-7D16-467B-9320-91F98915D181}" type="datetime1">
               <a:rPr lang="ko-KR" altLang="en-US" smtClean="0"/>
-              <a:t>2023-06-26</a:t>
+              <a:t>2023-07-07</a:t>
             </a:fld>
             <a:endParaRPr lang="ko-KR" altLang="en-US"/>
           </a:p>
@@ -3157,7 +3169,7 @@
           <a:p>
             <a:fld id="{A390A91F-2F8D-4486-A69D-D680F95444B0}" type="datetime1">
               <a:rPr lang="ko-KR" altLang="en-US" smtClean="0"/>
-              <a:t>2023-06-26</a:t>
+              <a:t>2023-07-07</a:t>
             </a:fld>
             <a:endParaRPr lang="ko-KR" altLang="en-US"/>
           </a:p>
@@ -3336,7 +3348,7 @@
           <a:p>
             <a:fld id="{2238BBEA-E8DD-414A-BF68-FC2AFA7CFF2D}" type="datetime1">
               <a:rPr lang="ko-KR" altLang="en-US" smtClean="0"/>
-              <a:t>2023-06-26</a:t>
+              <a:t>2023-07-07</a:t>
             </a:fld>
             <a:endParaRPr lang="ko-KR" altLang="en-US"/>
           </a:p>
@@ -8939,42 +8951,38 @@
             <p:ph type="title"/>
           </p:nvPr>
         </p:nvSpPr>
-        <p:spPr/>
-        <p:txBody>
-          <a:bodyPr>
-            <a:normAutofit/>
-          </a:bodyPr>
-          <a:lstStyle/>
-          <a:p>
+        <p:spPr>
+          <a:xfrm>
+            <a:off x="628137" y="151113"/>
+            <a:ext cx="6201139" cy="854968"/>
+          </a:xfrm>
+        </p:spPr>
+        <p:txBody>
+          <a:bodyPr/>
+          <a:lstStyle/>
+          <a:p>
+            <a:pPr marL="342900" indent="-342900">
+              <a:lnSpc>
+                <a:spcPct val="150000"/>
+              </a:lnSpc>
+            </a:pPr>
             <a:r>
               <a:rPr lang="en-US" altLang="ko-KR" dirty="0"/>
               <a:t> </a:t>
             </a:r>
             <a:r>
-              <a:rPr lang="ko-KR" altLang="en-US" dirty="0"/>
-              <a:t>깃으로 버전</a:t>
-            </a:r>
-            <a:r>
-              <a:rPr lang="en-US" altLang="ko-KR" dirty="0"/>
-              <a:t>(</a:t>
-            </a:r>
-            <a:r>
-              <a:rPr lang="ko-KR" altLang="en-US" dirty="0"/>
-              <a:t>소스</a:t>
-            </a:r>
-            <a:r>
-              <a:rPr lang="en-US" altLang="ko-KR" dirty="0"/>
-              <a:t>)</a:t>
-            </a:r>
-            <a:r>
-              <a:rPr lang="ko-KR" altLang="en-US" dirty="0"/>
-              <a:t> </a:t>
-            </a:r>
-            <a:r>
               <a:rPr lang="ko-KR" altLang="en-US" dirty="0" smtClean="0"/>
-              <a:t>관리하기</a:t>
-            </a:r>
-            <a:endParaRPr lang="ko-KR" altLang="en-US" dirty="0"/>
+              <a:t>구글 로그인 </a:t>
+            </a:r>
+            <a:r>
+              <a:rPr lang="en-US" altLang="ko-KR" dirty="0" smtClean="0"/>
+              <a:t>API </a:t>
+            </a:r>
+            <a:r>
+              <a:rPr lang="ko-KR" altLang="en-US" dirty="0" smtClean="0"/>
+              <a:t>사용</a:t>
+            </a:r>
+            <a:endParaRPr lang="en-US" altLang="ko-KR" dirty="0"/>
           </a:p>
         </p:txBody>
       </p:sp>
@@ -9009,8 +9017,8 @@
         </p:nvSpPr>
         <p:spPr>
           <a:xfrm>
-            <a:off x="1208584" y="1340768"/>
-            <a:ext cx="7408835" cy="454292"/>
+            <a:off x="992560" y="1372706"/>
+            <a:ext cx="6408712" cy="400110"/>
           </a:xfrm>
           <a:prstGeom prst="rect">
             <a:avLst/>
@@ -9023,28 +9031,45 @@
           </a:bodyPr>
           <a:lstStyle/>
           <a:p>
-            <a:pPr marL="285750" indent="-285750">
-              <a:lnSpc>
-                <a:spcPct val="150000"/>
-              </a:lnSpc>
+            <a:pPr marL="342900" indent="-342900">
               <a:buFont typeface="Wingdings" panose="05000000000000000000" pitchFamily="2" charset="2"/>
-              <a:buChar char="Ø"/>
+              <a:buChar char="l"/>
             </a:pPr>
             <a:r>
-              <a:rPr lang="ko-KR" altLang="en-US" dirty="0" smtClean="0"/>
-              <a:t>깃에 </a:t>
-            </a:r>
-            <a:r>
-              <a:rPr lang="ko-KR" altLang="en-US" dirty="0" err="1" smtClean="0"/>
-              <a:t>업로드하기</a:t>
-            </a:r>
-            <a:endParaRPr lang="en-US" altLang="ko-KR" dirty="0" smtClean="0"/>
+              <a:rPr lang="en-US" altLang="ko-KR" sz="2000" dirty="0" err="1" smtClean="0"/>
+              <a:t>django-allauth</a:t>
+            </a:r>
+            <a:r>
+              <a:rPr lang="en-US" altLang="ko-KR" sz="2000" dirty="0" smtClean="0"/>
+              <a:t> </a:t>
+            </a:r>
+            <a:r>
+              <a:rPr lang="ko-KR" altLang="en-US" sz="2000" dirty="0" smtClean="0"/>
+              <a:t>문서 검색 </a:t>
+            </a:r>
+            <a:r>
+              <a:rPr lang="en-US" altLang="ko-KR" sz="2000" dirty="0" smtClean="0"/>
+              <a:t>&gt; </a:t>
+            </a:r>
+            <a:r>
+              <a:rPr lang="en-US" altLang="ko-KR" sz="2000" dirty="0" smtClean="0"/>
+              <a:t>Providers </a:t>
+            </a:r>
+            <a:r>
+              <a:rPr lang="en-US" altLang="ko-KR" sz="2000" dirty="0" smtClean="0"/>
+              <a:t>&gt; </a:t>
+            </a:r>
+            <a:r>
+              <a:rPr lang="en-US" altLang="ko-KR" sz="2000" dirty="0" smtClean="0"/>
+              <a:t>Google </a:t>
+            </a:r>
+            <a:endParaRPr lang="en-US" altLang="ko-KR" sz="2000" dirty="0"/>
           </a:p>
         </p:txBody>
       </p:sp>
       <p:pic>
         <p:nvPicPr>
-          <p:cNvPr id="7" name="그림 6"/>
+          <p:cNvPr id="3" name="그림 2"/>
           <p:cNvPicPr>
             <a:picLocks noChangeAspect="1"/>
           </p:cNvPicPr>
@@ -9064,8 +9089,8 @@
         </p:blipFill>
         <p:spPr>
           <a:xfrm>
-            <a:off x="1578225" y="1988840"/>
-            <a:ext cx="5662151" cy="3383573"/>
+            <a:off x="626177" y="2348880"/>
+            <a:ext cx="9002259" cy="2561397"/>
           </a:xfrm>
           <a:prstGeom prst="rect">
             <a:avLst/>
@@ -9082,7 +9107,235 @@
     </p:spTree>
     <p:extLst>
       <p:ext uri="{BB962C8B-B14F-4D97-AF65-F5344CB8AC3E}">
-        <p14:creationId xmlns:p14="http://schemas.microsoft.com/office/powerpoint/2010/main" val="2517116541"/>
+        <p14:creationId xmlns:p14="http://schemas.microsoft.com/office/powerpoint/2010/main" val="4143947642"/>
+      </p:ext>
+    </p:extLst>
+  </p:cSld>
+  <p:clrMapOvr>
+    <a:masterClrMapping/>
+  </p:clrMapOvr>
+  <p:timing>
+    <p:tnLst>
+      <p:par>
+        <p:cTn id="1" dur="indefinite" restart="never" nodeType="tmRoot"/>
+      </p:par>
+    </p:tnLst>
+  </p:timing>
+</p:sld>
+</file>
+
+<file path=ppt/slides/slide29.xml><?xml version="1.0" encoding="utf-8"?>
+<p:sld xmlns:a="http://schemas.openxmlformats.org/drawingml/2006/main" xmlns:r="http://schemas.openxmlformats.org/officeDocument/2006/relationships" xmlns:p="http://schemas.openxmlformats.org/presentationml/2006/main">
+  <p:cSld>
+    <p:spTree>
+      <p:nvGrpSpPr>
+        <p:cNvPr id="1" name=""/>
+        <p:cNvGrpSpPr/>
+        <p:nvPr/>
+      </p:nvGrpSpPr>
+      <p:grpSpPr>
+        <a:xfrm>
+          <a:off x="0" y="0"/>
+          <a:ext cx="0" cy="0"/>
+          <a:chOff x="0" y="0"/>
+          <a:chExt cx="0" cy="0"/>
+        </a:xfrm>
+      </p:grpSpPr>
+      <p:sp>
+        <p:nvSpPr>
+          <p:cNvPr id="2" name="제목 1"/>
+          <p:cNvSpPr>
+            <a:spLocks noGrp="1"/>
+          </p:cNvSpPr>
+          <p:nvPr>
+            <p:ph type="title"/>
+          </p:nvPr>
+        </p:nvSpPr>
+        <p:spPr>
+          <a:xfrm>
+            <a:off x="628137" y="151113"/>
+            <a:ext cx="6201139" cy="854968"/>
+          </a:xfrm>
+        </p:spPr>
+        <p:txBody>
+          <a:bodyPr/>
+          <a:lstStyle/>
+          <a:p>
+            <a:pPr marL="342900" indent="-342900">
+              <a:lnSpc>
+                <a:spcPct val="150000"/>
+              </a:lnSpc>
+            </a:pPr>
+            <a:r>
+              <a:rPr lang="en-US" altLang="ko-KR" dirty="0"/>
+              <a:t> </a:t>
+            </a:r>
+            <a:r>
+              <a:rPr lang="ko-KR" altLang="en-US" dirty="0" smtClean="0"/>
+              <a:t>구글 로그인 </a:t>
+            </a:r>
+            <a:r>
+              <a:rPr lang="en-US" altLang="ko-KR" dirty="0" smtClean="0"/>
+              <a:t>API </a:t>
+            </a:r>
+            <a:r>
+              <a:rPr lang="ko-KR" altLang="en-US" dirty="0" smtClean="0"/>
+              <a:t>사용</a:t>
+            </a:r>
+            <a:endParaRPr lang="en-US" altLang="ko-KR" dirty="0"/>
+          </a:p>
+        </p:txBody>
+      </p:sp>
+      <p:sp>
+        <p:nvSpPr>
+          <p:cNvPr id="4" name="슬라이드 번호 개체 틀 3"/>
+          <p:cNvSpPr>
+            <a:spLocks noGrp="1"/>
+          </p:cNvSpPr>
+          <p:nvPr>
+            <p:ph type="sldNum" sz="quarter" idx="12"/>
+          </p:nvPr>
+        </p:nvSpPr>
+        <p:spPr/>
+        <p:txBody>
+          <a:bodyPr/>
+          <a:lstStyle/>
+          <a:p>
+            <a:fld id="{1BDE3FE7-3AEA-4B05-AC5A-802D1816ACF0}" type="slidenum">
+              <a:rPr lang="ko-KR" altLang="en-US" smtClean="0"/>
+              <a:t>29</a:t>
+            </a:fld>
+            <a:endParaRPr lang="ko-KR" altLang="en-US"/>
+          </a:p>
+        </p:txBody>
+      </p:sp>
+      <p:sp>
+        <p:nvSpPr>
+          <p:cNvPr id="8" name="TextBox 7"/>
+          <p:cNvSpPr txBox="1"/>
+          <p:nvPr/>
+        </p:nvSpPr>
+        <p:spPr>
+          <a:xfrm>
+            <a:off x="992560" y="1372706"/>
+            <a:ext cx="6264696" cy="400110"/>
+          </a:xfrm>
+          <a:prstGeom prst="rect">
+            <a:avLst/>
+          </a:prstGeom>
+          <a:noFill/>
+        </p:spPr>
+        <p:txBody>
+          <a:bodyPr wrap="square" rtlCol="0">
+            <a:spAutoFit/>
+          </a:bodyPr>
+          <a:lstStyle/>
+          <a:p>
+            <a:pPr marL="342900" indent="-342900">
+              <a:buFont typeface="Wingdings" panose="05000000000000000000" pitchFamily="2" charset="2"/>
+              <a:buChar char="l"/>
+            </a:pPr>
+            <a:r>
+              <a:rPr lang="ko-KR" altLang="en-US" sz="2000" dirty="0" smtClean="0"/>
+              <a:t>구글</a:t>
+            </a:r>
+            <a:r>
+              <a:rPr lang="ko-KR" altLang="en-US" sz="2000" dirty="0" smtClean="0"/>
+              <a:t> </a:t>
+            </a:r>
+            <a:r>
+              <a:rPr lang="ko-KR" altLang="en-US" sz="2000" dirty="0" smtClean="0"/>
+              <a:t>개발자 </a:t>
+            </a:r>
+            <a:r>
+              <a:rPr lang="ko-KR" altLang="en-US" sz="2000" dirty="0" smtClean="0"/>
+              <a:t>센터</a:t>
+            </a:r>
+            <a:r>
+              <a:rPr lang="en-US" altLang="ko-KR" sz="2000" dirty="0" smtClean="0"/>
+              <a:t>(</a:t>
+            </a:r>
+            <a:r>
+              <a:rPr lang="ko-KR" altLang="en-US" sz="2000" dirty="0" smtClean="0"/>
+              <a:t>콘솔</a:t>
+            </a:r>
+            <a:r>
+              <a:rPr lang="en-US" altLang="ko-KR" sz="2000" dirty="0" smtClean="0"/>
+              <a:t>)</a:t>
+            </a:r>
+            <a:endParaRPr lang="en-US" altLang="ko-KR" sz="2000" dirty="0"/>
+          </a:p>
+        </p:txBody>
+      </p:sp>
+      <p:sp>
+        <p:nvSpPr>
+          <p:cNvPr id="3" name="직사각형 2"/>
+          <p:cNvSpPr/>
+          <p:nvPr/>
+        </p:nvSpPr>
+        <p:spPr>
+          <a:xfrm>
+            <a:off x="1352600" y="1939386"/>
+            <a:ext cx="6024939" cy="400110"/>
+          </a:xfrm>
+          <a:prstGeom prst="rect">
+            <a:avLst/>
+          </a:prstGeom>
+        </p:spPr>
+        <p:txBody>
+          <a:bodyPr wrap="square">
+            <a:spAutoFit/>
+          </a:bodyPr>
+          <a:lstStyle/>
+          <a:p>
+            <a:r>
+              <a:rPr lang="ko-KR" altLang="en-US" sz="2000" dirty="0"/>
+              <a:t>https://console.cloud.google.com/projectcreate</a:t>
+            </a:r>
+          </a:p>
+        </p:txBody>
+      </p:sp>
+      <p:pic>
+        <p:nvPicPr>
+          <p:cNvPr id="5" name="그림 4"/>
+          <p:cNvPicPr>
+            <a:picLocks noChangeAspect="1"/>
+          </p:cNvPicPr>
+          <p:nvPr/>
+        </p:nvPicPr>
+        <p:blipFill>
+          <a:blip r:embed="rId2">
+            <a:extLst>
+              <a:ext uri="{28A0092B-C50C-407E-A947-70E740481C1C}">
+                <a14:useLocalDpi xmlns:a14="http://schemas.microsoft.com/office/drawing/2010/main" val="0"/>
+              </a:ext>
+            </a:extLst>
+          </a:blip>
+          <a:stretch>
+            <a:fillRect/>
+          </a:stretch>
+        </p:blipFill>
+        <p:spPr>
+          <a:xfrm>
+            <a:off x="1712640" y="2636912"/>
+            <a:ext cx="4627465" cy="3554791"/>
+          </a:xfrm>
+          <a:prstGeom prst="rect">
+            <a:avLst/>
+          </a:prstGeom>
+          <a:ln>
+            <a:solidFill>
+              <a:schemeClr val="bg1">
+                <a:lumMod val="85000"/>
+              </a:schemeClr>
+            </a:solidFill>
+          </a:ln>
+        </p:spPr>
+      </p:pic>
+    </p:spTree>
+    <p:extLst>
+      <p:ext uri="{BB962C8B-B14F-4D97-AF65-F5344CB8AC3E}">
+        <p14:creationId xmlns:p14="http://schemas.microsoft.com/office/powerpoint/2010/main" val="2377805594"/>
       </p:ext>
     </p:extLst>
   </p:cSld>
@@ -9423,6 +9676,2152 @@
 </p:sld>
 </file>
 
+<file path=ppt/slides/slide30.xml><?xml version="1.0" encoding="utf-8"?>
+<p:sld xmlns:a="http://schemas.openxmlformats.org/drawingml/2006/main" xmlns:r="http://schemas.openxmlformats.org/officeDocument/2006/relationships" xmlns:p="http://schemas.openxmlformats.org/presentationml/2006/main">
+  <p:cSld>
+    <p:spTree>
+      <p:nvGrpSpPr>
+        <p:cNvPr id="1" name=""/>
+        <p:cNvGrpSpPr/>
+        <p:nvPr/>
+      </p:nvGrpSpPr>
+      <p:grpSpPr>
+        <a:xfrm>
+          <a:off x="0" y="0"/>
+          <a:ext cx="0" cy="0"/>
+          <a:chOff x="0" y="0"/>
+          <a:chExt cx="0" cy="0"/>
+        </a:xfrm>
+      </p:grpSpPr>
+      <p:sp>
+        <p:nvSpPr>
+          <p:cNvPr id="2" name="제목 1"/>
+          <p:cNvSpPr>
+            <a:spLocks noGrp="1"/>
+          </p:cNvSpPr>
+          <p:nvPr>
+            <p:ph type="title"/>
+          </p:nvPr>
+        </p:nvSpPr>
+        <p:spPr>
+          <a:xfrm>
+            <a:off x="628137" y="151113"/>
+            <a:ext cx="6201139" cy="854968"/>
+          </a:xfrm>
+        </p:spPr>
+        <p:txBody>
+          <a:bodyPr/>
+          <a:lstStyle/>
+          <a:p>
+            <a:pPr marL="342900" indent="-342900">
+              <a:lnSpc>
+                <a:spcPct val="150000"/>
+              </a:lnSpc>
+            </a:pPr>
+            <a:r>
+              <a:rPr lang="en-US" altLang="ko-KR" dirty="0"/>
+              <a:t> </a:t>
+            </a:r>
+            <a:r>
+              <a:rPr lang="ko-KR" altLang="en-US" dirty="0" smtClean="0"/>
+              <a:t>구글 로그인 </a:t>
+            </a:r>
+            <a:r>
+              <a:rPr lang="en-US" altLang="ko-KR" dirty="0" smtClean="0"/>
+              <a:t>API </a:t>
+            </a:r>
+            <a:r>
+              <a:rPr lang="ko-KR" altLang="en-US" dirty="0" smtClean="0"/>
+              <a:t>사용</a:t>
+            </a:r>
+            <a:endParaRPr lang="en-US" altLang="ko-KR" dirty="0"/>
+          </a:p>
+        </p:txBody>
+      </p:sp>
+      <p:sp>
+        <p:nvSpPr>
+          <p:cNvPr id="4" name="슬라이드 번호 개체 틀 3"/>
+          <p:cNvSpPr>
+            <a:spLocks noGrp="1"/>
+          </p:cNvSpPr>
+          <p:nvPr>
+            <p:ph type="sldNum" sz="quarter" idx="12"/>
+          </p:nvPr>
+        </p:nvSpPr>
+        <p:spPr/>
+        <p:txBody>
+          <a:bodyPr/>
+          <a:lstStyle/>
+          <a:p>
+            <a:fld id="{1BDE3FE7-3AEA-4B05-AC5A-802D1816ACF0}" type="slidenum">
+              <a:rPr lang="ko-KR" altLang="en-US" smtClean="0"/>
+              <a:t>30</a:t>
+            </a:fld>
+            <a:endParaRPr lang="ko-KR" altLang="en-US"/>
+          </a:p>
+        </p:txBody>
+      </p:sp>
+      <p:sp>
+        <p:nvSpPr>
+          <p:cNvPr id="8" name="TextBox 7"/>
+          <p:cNvSpPr txBox="1"/>
+          <p:nvPr/>
+        </p:nvSpPr>
+        <p:spPr>
+          <a:xfrm>
+            <a:off x="992560" y="1372706"/>
+            <a:ext cx="6264696" cy="400110"/>
+          </a:xfrm>
+          <a:prstGeom prst="rect">
+            <a:avLst/>
+          </a:prstGeom>
+          <a:noFill/>
+        </p:spPr>
+        <p:txBody>
+          <a:bodyPr wrap="square" rtlCol="0">
+            <a:spAutoFit/>
+          </a:bodyPr>
+          <a:lstStyle/>
+          <a:p>
+            <a:pPr marL="342900" indent="-342900">
+              <a:buFont typeface="Wingdings" panose="05000000000000000000" pitchFamily="2" charset="2"/>
+              <a:buChar char="l"/>
+            </a:pPr>
+            <a:r>
+              <a:rPr lang="ko-KR" altLang="en-US" sz="2000" dirty="0" smtClean="0"/>
+              <a:t>사용자 인증 정보 만들기</a:t>
+            </a:r>
+            <a:endParaRPr lang="en-US" altLang="ko-KR" sz="2000" dirty="0"/>
+          </a:p>
+        </p:txBody>
+      </p:sp>
+      <p:grpSp>
+        <p:nvGrpSpPr>
+          <p:cNvPr id="12" name="그룹 11"/>
+          <p:cNvGrpSpPr/>
+          <p:nvPr/>
+        </p:nvGrpSpPr>
+        <p:grpSpPr>
+          <a:xfrm>
+            <a:off x="1352600" y="1511496"/>
+            <a:ext cx="7344816" cy="4234330"/>
+            <a:chOff x="1352600" y="1511496"/>
+            <a:chExt cx="7344816" cy="4234330"/>
+          </a:xfrm>
+        </p:grpSpPr>
+        <p:pic>
+          <p:nvPicPr>
+            <p:cNvPr id="6" name="그림 5"/>
+            <p:cNvPicPr>
+              <a:picLocks noChangeAspect="1"/>
+            </p:cNvPicPr>
+            <p:nvPr/>
+          </p:nvPicPr>
+          <p:blipFill>
+            <a:blip r:embed="rId2">
+              <a:extLst>
+                <a:ext uri="{28A0092B-C50C-407E-A947-70E740481C1C}">
+                  <a14:useLocalDpi xmlns:a14="http://schemas.microsoft.com/office/drawing/2010/main" val="0"/>
+                </a:ext>
+              </a:extLst>
+            </a:blip>
+            <a:stretch>
+              <a:fillRect/>
+            </a:stretch>
+          </p:blipFill>
+          <p:spPr>
+            <a:xfrm>
+              <a:off x="1352600" y="1988840"/>
+              <a:ext cx="6896698" cy="3756986"/>
+            </a:xfrm>
+            <a:prstGeom prst="rect">
+              <a:avLst/>
+            </a:prstGeom>
+            <a:ln>
+              <a:solidFill>
+                <a:schemeClr val="bg1">
+                  <a:lumMod val="85000"/>
+                </a:schemeClr>
+              </a:solidFill>
+            </a:ln>
+          </p:spPr>
+        </p:pic>
+        <p:sp>
+          <p:nvSpPr>
+            <p:cNvPr id="7" name="타원 6"/>
+            <p:cNvSpPr/>
+            <p:nvPr/>
+          </p:nvSpPr>
+          <p:spPr>
+            <a:xfrm>
+              <a:off x="5817096" y="2204864"/>
+              <a:ext cx="1512168" cy="936104"/>
+            </a:xfrm>
+            <a:prstGeom prst="ellipse">
+              <a:avLst/>
+            </a:prstGeom>
+            <a:noFill/>
+            <a:ln w="19050">
+              <a:solidFill>
+                <a:srgbClr val="C00000"/>
+              </a:solidFill>
+            </a:ln>
+          </p:spPr>
+          <p:style>
+            <a:lnRef idx="2">
+              <a:schemeClr val="accent1">
+                <a:shade val="50000"/>
+              </a:schemeClr>
+            </a:lnRef>
+            <a:fillRef idx="1">
+              <a:schemeClr val="accent1"/>
+            </a:fillRef>
+            <a:effectRef idx="0">
+              <a:schemeClr val="accent1"/>
+            </a:effectRef>
+            <a:fontRef idx="minor">
+              <a:schemeClr val="lt1"/>
+            </a:fontRef>
+          </p:style>
+          <p:txBody>
+            <a:bodyPr rtlCol="0" anchor="ctr"/>
+            <a:lstStyle/>
+            <a:p>
+              <a:pPr algn="ctr"/>
+              <a:endParaRPr lang="ko-KR" altLang="en-US"/>
+            </a:p>
+          </p:txBody>
+        </p:sp>
+        <p:cxnSp>
+          <p:nvCxnSpPr>
+            <p:cNvPr id="10" name="직선 화살표 연결선 9"/>
+            <p:cNvCxnSpPr>
+              <a:endCxn id="7" idx="7"/>
+            </p:cNvCxnSpPr>
+            <p:nvPr/>
+          </p:nvCxnSpPr>
+          <p:spPr>
+            <a:xfrm flipH="1">
+              <a:off x="7107812" y="1700808"/>
+              <a:ext cx="797516" cy="641145"/>
+            </a:xfrm>
+            <a:prstGeom prst="straightConnector1">
+              <a:avLst/>
+            </a:prstGeom>
+            <a:ln>
+              <a:tailEnd type="triangle"/>
+            </a:ln>
+          </p:spPr>
+          <p:style>
+            <a:lnRef idx="1">
+              <a:schemeClr val="accent1"/>
+            </a:lnRef>
+            <a:fillRef idx="0">
+              <a:schemeClr val="accent1"/>
+            </a:fillRef>
+            <a:effectRef idx="0">
+              <a:schemeClr val="accent1"/>
+            </a:effectRef>
+            <a:fontRef idx="minor">
+              <a:schemeClr val="tx1"/>
+            </a:fontRef>
+          </p:style>
+        </p:cxnSp>
+        <p:sp>
+          <p:nvSpPr>
+            <p:cNvPr id="11" name="TextBox 10"/>
+            <p:cNvSpPr txBox="1"/>
+            <p:nvPr/>
+          </p:nvSpPr>
+          <p:spPr>
+            <a:xfrm>
+              <a:off x="7905328" y="1511496"/>
+              <a:ext cx="792088" cy="369332"/>
+            </a:xfrm>
+            <a:prstGeom prst="rect">
+              <a:avLst/>
+            </a:prstGeom>
+            <a:noFill/>
+          </p:spPr>
+          <p:txBody>
+            <a:bodyPr wrap="square" rtlCol="0">
+              <a:spAutoFit/>
+            </a:bodyPr>
+            <a:lstStyle/>
+            <a:p>
+              <a:r>
+                <a:rPr lang="ko-KR" altLang="en-US" smtClean="0"/>
+                <a:t>클릭</a:t>
+              </a:r>
+              <a:endParaRPr lang="ko-KR" altLang="en-US"/>
+            </a:p>
+          </p:txBody>
+        </p:sp>
+      </p:grpSp>
+    </p:spTree>
+    <p:extLst>
+      <p:ext uri="{BB962C8B-B14F-4D97-AF65-F5344CB8AC3E}">
+        <p14:creationId xmlns:p14="http://schemas.microsoft.com/office/powerpoint/2010/main" val="270759299"/>
+      </p:ext>
+    </p:extLst>
+  </p:cSld>
+  <p:clrMapOvr>
+    <a:masterClrMapping/>
+  </p:clrMapOvr>
+  <p:timing>
+    <p:tnLst>
+      <p:par>
+        <p:cTn id="1" dur="indefinite" restart="never" nodeType="tmRoot"/>
+      </p:par>
+    </p:tnLst>
+  </p:timing>
+</p:sld>
+</file>
+
+<file path=ppt/slides/slide31.xml><?xml version="1.0" encoding="utf-8"?>
+<p:sld xmlns:a="http://schemas.openxmlformats.org/drawingml/2006/main" xmlns:r="http://schemas.openxmlformats.org/officeDocument/2006/relationships" xmlns:p="http://schemas.openxmlformats.org/presentationml/2006/main">
+  <p:cSld>
+    <p:spTree>
+      <p:nvGrpSpPr>
+        <p:cNvPr id="1" name=""/>
+        <p:cNvGrpSpPr/>
+        <p:nvPr/>
+      </p:nvGrpSpPr>
+      <p:grpSpPr>
+        <a:xfrm>
+          <a:off x="0" y="0"/>
+          <a:ext cx="0" cy="0"/>
+          <a:chOff x="0" y="0"/>
+          <a:chExt cx="0" cy="0"/>
+        </a:xfrm>
+      </p:grpSpPr>
+      <p:sp>
+        <p:nvSpPr>
+          <p:cNvPr id="2" name="제목 1"/>
+          <p:cNvSpPr>
+            <a:spLocks noGrp="1"/>
+          </p:cNvSpPr>
+          <p:nvPr>
+            <p:ph type="title"/>
+          </p:nvPr>
+        </p:nvSpPr>
+        <p:spPr>
+          <a:xfrm>
+            <a:off x="628137" y="151113"/>
+            <a:ext cx="6201139" cy="854968"/>
+          </a:xfrm>
+        </p:spPr>
+        <p:txBody>
+          <a:bodyPr/>
+          <a:lstStyle/>
+          <a:p>
+            <a:pPr marL="342900" indent="-342900">
+              <a:lnSpc>
+                <a:spcPct val="150000"/>
+              </a:lnSpc>
+            </a:pPr>
+            <a:r>
+              <a:rPr lang="en-US" altLang="ko-KR" dirty="0"/>
+              <a:t> </a:t>
+            </a:r>
+            <a:r>
+              <a:rPr lang="ko-KR" altLang="en-US" dirty="0" smtClean="0"/>
+              <a:t>구글 로그인 </a:t>
+            </a:r>
+            <a:r>
+              <a:rPr lang="en-US" altLang="ko-KR" dirty="0" smtClean="0"/>
+              <a:t>API </a:t>
+            </a:r>
+            <a:r>
+              <a:rPr lang="ko-KR" altLang="en-US" dirty="0" smtClean="0"/>
+              <a:t>사용</a:t>
+            </a:r>
+            <a:endParaRPr lang="en-US" altLang="ko-KR" dirty="0"/>
+          </a:p>
+        </p:txBody>
+      </p:sp>
+      <p:sp>
+        <p:nvSpPr>
+          <p:cNvPr id="4" name="슬라이드 번호 개체 틀 3"/>
+          <p:cNvSpPr>
+            <a:spLocks noGrp="1"/>
+          </p:cNvSpPr>
+          <p:nvPr>
+            <p:ph type="sldNum" sz="quarter" idx="12"/>
+          </p:nvPr>
+        </p:nvSpPr>
+        <p:spPr/>
+        <p:txBody>
+          <a:bodyPr/>
+          <a:lstStyle/>
+          <a:p>
+            <a:fld id="{1BDE3FE7-3AEA-4B05-AC5A-802D1816ACF0}" type="slidenum">
+              <a:rPr lang="ko-KR" altLang="en-US" smtClean="0"/>
+              <a:t>31</a:t>
+            </a:fld>
+            <a:endParaRPr lang="ko-KR" altLang="en-US"/>
+          </a:p>
+        </p:txBody>
+      </p:sp>
+      <p:sp>
+        <p:nvSpPr>
+          <p:cNvPr id="8" name="TextBox 7"/>
+          <p:cNvSpPr txBox="1"/>
+          <p:nvPr/>
+        </p:nvSpPr>
+        <p:spPr>
+          <a:xfrm>
+            <a:off x="992560" y="1372706"/>
+            <a:ext cx="6264696" cy="400110"/>
+          </a:xfrm>
+          <a:prstGeom prst="rect">
+            <a:avLst/>
+          </a:prstGeom>
+          <a:noFill/>
+        </p:spPr>
+        <p:txBody>
+          <a:bodyPr wrap="square" rtlCol="0">
+            <a:spAutoFit/>
+          </a:bodyPr>
+          <a:lstStyle/>
+          <a:p>
+            <a:pPr marL="342900" indent="-342900">
+              <a:buFont typeface="Wingdings" panose="05000000000000000000" pitchFamily="2" charset="2"/>
+              <a:buChar char="l"/>
+            </a:pPr>
+            <a:r>
+              <a:rPr lang="ko-KR" altLang="en-US" sz="2000" dirty="0" smtClean="0"/>
+              <a:t>사용자 인증 정보 만들기</a:t>
+            </a:r>
+            <a:endParaRPr lang="en-US" altLang="ko-KR" sz="2000" dirty="0"/>
+          </a:p>
+        </p:txBody>
+      </p:sp>
+      <p:pic>
+        <p:nvPicPr>
+          <p:cNvPr id="3" name="그림 2"/>
+          <p:cNvPicPr>
+            <a:picLocks noChangeAspect="1"/>
+          </p:cNvPicPr>
+          <p:nvPr/>
+        </p:nvPicPr>
+        <p:blipFill>
+          <a:blip r:embed="rId2">
+            <a:extLst>
+              <a:ext uri="{28A0092B-C50C-407E-A947-70E740481C1C}">
+                <a14:useLocalDpi xmlns:a14="http://schemas.microsoft.com/office/drawing/2010/main" val="0"/>
+              </a:ext>
+            </a:extLst>
+          </a:blip>
+          <a:stretch>
+            <a:fillRect/>
+          </a:stretch>
+        </p:blipFill>
+        <p:spPr>
+          <a:xfrm>
+            <a:off x="4592960" y="1381225"/>
+            <a:ext cx="3960440" cy="5282931"/>
+          </a:xfrm>
+          <a:prstGeom prst="rect">
+            <a:avLst/>
+          </a:prstGeom>
+          <a:ln>
+            <a:solidFill>
+              <a:schemeClr val="bg1">
+                <a:lumMod val="85000"/>
+              </a:schemeClr>
+            </a:solidFill>
+          </a:ln>
+        </p:spPr>
+      </p:pic>
+    </p:spTree>
+    <p:extLst>
+      <p:ext uri="{BB962C8B-B14F-4D97-AF65-F5344CB8AC3E}">
+        <p14:creationId xmlns:p14="http://schemas.microsoft.com/office/powerpoint/2010/main" val="194892500"/>
+      </p:ext>
+    </p:extLst>
+  </p:cSld>
+  <p:clrMapOvr>
+    <a:masterClrMapping/>
+  </p:clrMapOvr>
+  <p:timing>
+    <p:tnLst>
+      <p:par>
+        <p:cTn id="1" dur="indefinite" restart="never" nodeType="tmRoot"/>
+      </p:par>
+    </p:tnLst>
+  </p:timing>
+</p:sld>
+</file>
+
+<file path=ppt/slides/slide32.xml><?xml version="1.0" encoding="utf-8"?>
+<p:sld xmlns:a="http://schemas.openxmlformats.org/drawingml/2006/main" xmlns:r="http://schemas.openxmlformats.org/officeDocument/2006/relationships" xmlns:p="http://schemas.openxmlformats.org/presentationml/2006/main">
+  <p:cSld>
+    <p:spTree>
+      <p:nvGrpSpPr>
+        <p:cNvPr id="1" name=""/>
+        <p:cNvGrpSpPr/>
+        <p:nvPr/>
+      </p:nvGrpSpPr>
+      <p:grpSpPr>
+        <a:xfrm>
+          <a:off x="0" y="0"/>
+          <a:ext cx="0" cy="0"/>
+          <a:chOff x="0" y="0"/>
+          <a:chExt cx="0" cy="0"/>
+        </a:xfrm>
+      </p:grpSpPr>
+      <p:sp>
+        <p:nvSpPr>
+          <p:cNvPr id="2" name="제목 1"/>
+          <p:cNvSpPr>
+            <a:spLocks noGrp="1"/>
+          </p:cNvSpPr>
+          <p:nvPr>
+            <p:ph type="title"/>
+          </p:nvPr>
+        </p:nvSpPr>
+        <p:spPr>
+          <a:xfrm>
+            <a:off x="628137" y="151113"/>
+            <a:ext cx="6201139" cy="854968"/>
+          </a:xfrm>
+        </p:spPr>
+        <p:txBody>
+          <a:bodyPr/>
+          <a:lstStyle/>
+          <a:p>
+            <a:pPr marL="342900" indent="-342900">
+              <a:lnSpc>
+                <a:spcPct val="150000"/>
+              </a:lnSpc>
+            </a:pPr>
+            <a:r>
+              <a:rPr lang="en-US" altLang="ko-KR" dirty="0"/>
+              <a:t> </a:t>
+            </a:r>
+            <a:r>
+              <a:rPr lang="ko-KR" altLang="en-US" dirty="0" smtClean="0"/>
+              <a:t>구글 로그인 </a:t>
+            </a:r>
+            <a:r>
+              <a:rPr lang="en-US" altLang="ko-KR" dirty="0" smtClean="0"/>
+              <a:t>API </a:t>
+            </a:r>
+            <a:r>
+              <a:rPr lang="ko-KR" altLang="en-US" dirty="0" smtClean="0"/>
+              <a:t>사용</a:t>
+            </a:r>
+            <a:endParaRPr lang="en-US" altLang="ko-KR" dirty="0"/>
+          </a:p>
+        </p:txBody>
+      </p:sp>
+      <p:sp>
+        <p:nvSpPr>
+          <p:cNvPr id="4" name="슬라이드 번호 개체 틀 3"/>
+          <p:cNvSpPr>
+            <a:spLocks noGrp="1"/>
+          </p:cNvSpPr>
+          <p:nvPr>
+            <p:ph type="sldNum" sz="quarter" idx="12"/>
+          </p:nvPr>
+        </p:nvSpPr>
+        <p:spPr/>
+        <p:txBody>
+          <a:bodyPr/>
+          <a:lstStyle/>
+          <a:p>
+            <a:fld id="{1BDE3FE7-3AEA-4B05-AC5A-802D1816ACF0}" type="slidenum">
+              <a:rPr lang="ko-KR" altLang="en-US" smtClean="0"/>
+              <a:t>32</a:t>
+            </a:fld>
+            <a:endParaRPr lang="ko-KR" altLang="en-US"/>
+          </a:p>
+        </p:txBody>
+      </p:sp>
+      <p:sp>
+        <p:nvSpPr>
+          <p:cNvPr id="8" name="TextBox 7"/>
+          <p:cNvSpPr txBox="1"/>
+          <p:nvPr/>
+        </p:nvSpPr>
+        <p:spPr>
+          <a:xfrm>
+            <a:off x="992560" y="1372706"/>
+            <a:ext cx="6264696" cy="400110"/>
+          </a:xfrm>
+          <a:prstGeom prst="rect">
+            <a:avLst/>
+          </a:prstGeom>
+          <a:noFill/>
+        </p:spPr>
+        <p:txBody>
+          <a:bodyPr wrap="square" rtlCol="0">
+            <a:spAutoFit/>
+          </a:bodyPr>
+          <a:lstStyle/>
+          <a:p>
+            <a:pPr marL="342900" indent="-342900">
+              <a:buFont typeface="Wingdings" panose="05000000000000000000" pitchFamily="2" charset="2"/>
+              <a:buChar char="l"/>
+            </a:pPr>
+            <a:r>
+              <a:rPr lang="en-US" altLang="ko-KR" sz="2000" dirty="0" err="1" smtClean="0"/>
+              <a:t>Oauth</a:t>
+            </a:r>
+            <a:r>
+              <a:rPr lang="en-US" altLang="ko-KR" sz="2000" dirty="0" smtClean="0"/>
+              <a:t> </a:t>
+            </a:r>
+            <a:r>
+              <a:rPr lang="ko-KR" altLang="en-US" sz="2000" dirty="0" smtClean="0"/>
+              <a:t>동의 화면 </a:t>
+            </a:r>
+            <a:r>
+              <a:rPr lang="en-US" altLang="ko-KR" sz="2000" dirty="0" smtClean="0"/>
+              <a:t>&gt; </a:t>
+            </a:r>
+            <a:r>
+              <a:rPr lang="ko-KR" altLang="en-US" sz="2000" dirty="0" smtClean="0"/>
+              <a:t>외부에 체크</a:t>
+            </a:r>
+            <a:endParaRPr lang="en-US" altLang="ko-KR" sz="2000" dirty="0"/>
+          </a:p>
+        </p:txBody>
+      </p:sp>
+      <p:pic>
+        <p:nvPicPr>
+          <p:cNvPr id="5" name="그림 4"/>
+          <p:cNvPicPr>
+            <a:picLocks noChangeAspect="1"/>
+          </p:cNvPicPr>
+          <p:nvPr/>
+        </p:nvPicPr>
+        <p:blipFill>
+          <a:blip r:embed="rId2">
+            <a:extLst>
+              <a:ext uri="{28A0092B-C50C-407E-A947-70E740481C1C}">
+                <a14:useLocalDpi xmlns:a14="http://schemas.microsoft.com/office/drawing/2010/main" val="0"/>
+              </a:ext>
+            </a:extLst>
+          </a:blip>
+          <a:stretch>
+            <a:fillRect/>
+          </a:stretch>
+        </p:blipFill>
+        <p:spPr>
+          <a:xfrm>
+            <a:off x="1496616" y="2141469"/>
+            <a:ext cx="4206605" cy="2370025"/>
+          </a:xfrm>
+          <a:prstGeom prst="rect">
+            <a:avLst/>
+          </a:prstGeom>
+          <a:ln>
+            <a:solidFill>
+              <a:schemeClr val="bg1">
+                <a:lumMod val="85000"/>
+              </a:schemeClr>
+            </a:solidFill>
+          </a:ln>
+        </p:spPr>
+      </p:pic>
+    </p:spTree>
+    <p:extLst>
+      <p:ext uri="{BB962C8B-B14F-4D97-AF65-F5344CB8AC3E}">
+        <p14:creationId xmlns:p14="http://schemas.microsoft.com/office/powerpoint/2010/main" val="480152836"/>
+      </p:ext>
+    </p:extLst>
+  </p:cSld>
+  <p:clrMapOvr>
+    <a:masterClrMapping/>
+  </p:clrMapOvr>
+  <p:timing>
+    <p:tnLst>
+      <p:par>
+        <p:cTn id="1" dur="indefinite" restart="never" nodeType="tmRoot"/>
+      </p:par>
+    </p:tnLst>
+  </p:timing>
+</p:sld>
+</file>
+
+<file path=ppt/slides/slide33.xml><?xml version="1.0" encoding="utf-8"?>
+<p:sld xmlns:a="http://schemas.openxmlformats.org/drawingml/2006/main" xmlns:r="http://schemas.openxmlformats.org/officeDocument/2006/relationships" xmlns:p="http://schemas.openxmlformats.org/presentationml/2006/main">
+  <p:cSld>
+    <p:spTree>
+      <p:nvGrpSpPr>
+        <p:cNvPr id="1" name=""/>
+        <p:cNvGrpSpPr/>
+        <p:nvPr/>
+      </p:nvGrpSpPr>
+      <p:grpSpPr>
+        <a:xfrm>
+          <a:off x="0" y="0"/>
+          <a:ext cx="0" cy="0"/>
+          <a:chOff x="0" y="0"/>
+          <a:chExt cx="0" cy="0"/>
+        </a:xfrm>
+      </p:grpSpPr>
+      <p:sp>
+        <p:nvSpPr>
+          <p:cNvPr id="2" name="제목 1"/>
+          <p:cNvSpPr>
+            <a:spLocks noGrp="1"/>
+          </p:cNvSpPr>
+          <p:nvPr>
+            <p:ph type="title"/>
+          </p:nvPr>
+        </p:nvSpPr>
+        <p:spPr>
+          <a:xfrm>
+            <a:off x="628137" y="151113"/>
+            <a:ext cx="6201139" cy="854968"/>
+          </a:xfrm>
+        </p:spPr>
+        <p:txBody>
+          <a:bodyPr/>
+          <a:lstStyle/>
+          <a:p>
+            <a:pPr marL="342900" indent="-342900">
+              <a:lnSpc>
+                <a:spcPct val="150000"/>
+              </a:lnSpc>
+            </a:pPr>
+            <a:r>
+              <a:rPr lang="en-US" altLang="ko-KR" dirty="0"/>
+              <a:t> </a:t>
+            </a:r>
+            <a:r>
+              <a:rPr lang="ko-KR" altLang="en-US" dirty="0" smtClean="0"/>
+              <a:t>소셜 로그인</a:t>
+            </a:r>
+            <a:endParaRPr lang="en-US" altLang="ko-KR" dirty="0"/>
+          </a:p>
+        </p:txBody>
+      </p:sp>
+      <p:sp>
+        <p:nvSpPr>
+          <p:cNvPr id="4" name="슬라이드 번호 개체 틀 3"/>
+          <p:cNvSpPr>
+            <a:spLocks noGrp="1"/>
+          </p:cNvSpPr>
+          <p:nvPr>
+            <p:ph type="sldNum" sz="quarter" idx="12"/>
+          </p:nvPr>
+        </p:nvSpPr>
+        <p:spPr/>
+        <p:txBody>
+          <a:bodyPr/>
+          <a:lstStyle/>
+          <a:p>
+            <a:fld id="{1BDE3FE7-3AEA-4B05-AC5A-802D1816ACF0}" type="slidenum">
+              <a:rPr lang="ko-KR" altLang="en-US" smtClean="0"/>
+              <a:t>33</a:t>
+            </a:fld>
+            <a:endParaRPr lang="ko-KR" altLang="en-US"/>
+          </a:p>
+        </p:txBody>
+      </p:sp>
+      <p:sp>
+        <p:nvSpPr>
+          <p:cNvPr id="6" name="TextBox 5"/>
+          <p:cNvSpPr txBox="1"/>
+          <p:nvPr/>
+        </p:nvSpPr>
+        <p:spPr>
+          <a:xfrm>
+            <a:off x="1352600" y="1916832"/>
+            <a:ext cx="3528392" cy="400110"/>
+          </a:xfrm>
+          <a:prstGeom prst="rect">
+            <a:avLst/>
+          </a:prstGeom>
+          <a:noFill/>
+        </p:spPr>
+        <p:txBody>
+          <a:bodyPr wrap="square" rtlCol="0">
+            <a:spAutoFit/>
+          </a:bodyPr>
+          <a:lstStyle/>
+          <a:p>
+            <a:r>
+              <a:rPr lang="en-US" altLang="ko-KR" sz="2000" b="1" dirty="0"/>
+              <a:t>pip install </a:t>
+            </a:r>
+            <a:r>
+              <a:rPr lang="en-US" altLang="ko-KR" sz="2000" b="1" dirty="0" err="1" smtClean="0"/>
+              <a:t>django-allauth</a:t>
+            </a:r>
+            <a:endParaRPr lang="en-US" altLang="ko-KR" sz="2000" b="1" dirty="0"/>
+          </a:p>
+        </p:txBody>
+      </p:sp>
+      <p:sp>
+        <p:nvSpPr>
+          <p:cNvPr id="7" name="TextBox 6"/>
+          <p:cNvSpPr txBox="1"/>
+          <p:nvPr/>
+        </p:nvSpPr>
+        <p:spPr>
+          <a:xfrm>
+            <a:off x="992560" y="1412776"/>
+            <a:ext cx="4896544" cy="400110"/>
+          </a:xfrm>
+          <a:prstGeom prst="rect">
+            <a:avLst/>
+          </a:prstGeom>
+          <a:noFill/>
+        </p:spPr>
+        <p:txBody>
+          <a:bodyPr wrap="square" rtlCol="0">
+            <a:spAutoFit/>
+          </a:bodyPr>
+          <a:lstStyle/>
+          <a:p>
+            <a:pPr marL="342900" indent="-342900">
+              <a:buFont typeface="Wingdings" panose="05000000000000000000" pitchFamily="2" charset="2"/>
+              <a:buChar char="l"/>
+            </a:pPr>
+            <a:r>
+              <a:rPr lang="en-US" altLang="ko-KR" sz="2000" dirty="0" smtClean="0"/>
+              <a:t>Social Login </a:t>
+            </a:r>
+            <a:r>
+              <a:rPr lang="ko-KR" altLang="en-US" sz="2000" dirty="0" smtClean="0"/>
+              <a:t>모듈 설치</a:t>
+            </a:r>
+            <a:endParaRPr lang="en-US" altLang="ko-KR" sz="2000" dirty="0"/>
+          </a:p>
+        </p:txBody>
+      </p:sp>
+      <p:sp>
+        <p:nvSpPr>
+          <p:cNvPr id="8" name="TextBox 7"/>
+          <p:cNvSpPr txBox="1"/>
+          <p:nvPr/>
+        </p:nvSpPr>
+        <p:spPr>
+          <a:xfrm>
+            <a:off x="992560" y="2564904"/>
+            <a:ext cx="4896544" cy="400110"/>
+          </a:xfrm>
+          <a:prstGeom prst="rect">
+            <a:avLst/>
+          </a:prstGeom>
+          <a:noFill/>
+        </p:spPr>
+        <p:txBody>
+          <a:bodyPr wrap="square" rtlCol="0">
+            <a:spAutoFit/>
+          </a:bodyPr>
+          <a:lstStyle/>
+          <a:p>
+            <a:pPr marL="342900" indent="-342900">
+              <a:buFont typeface="Wingdings" panose="05000000000000000000" pitchFamily="2" charset="2"/>
+              <a:buChar char="l"/>
+            </a:pPr>
+            <a:r>
+              <a:rPr lang="en-US" altLang="ko-KR" sz="2000" dirty="0"/>
+              <a:t>s</a:t>
+            </a:r>
+            <a:r>
+              <a:rPr lang="en-US" altLang="ko-KR" sz="2000" dirty="0" smtClean="0"/>
+              <a:t>etting.py</a:t>
+            </a:r>
+            <a:r>
+              <a:rPr lang="ko-KR" altLang="en-US" sz="2000" dirty="0" smtClean="0"/>
+              <a:t>에 등록</a:t>
+            </a:r>
+            <a:endParaRPr lang="en-US" altLang="ko-KR" sz="2000" dirty="0"/>
+          </a:p>
+        </p:txBody>
+      </p:sp>
+      <p:pic>
+        <p:nvPicPr>
+          <p:cNvPr id="3" name="그림 2"/>
+          <p:cNvPicPr>
+            <a:picLocks noChangeAspect="1"/>
+          </p:cNvPicPr>
+          <p:nvPr/>
+        </p:nvPicPr>
+        <p:blipFill>
+          <a:blip r:embed="rId2">
+            <a:extLst>
+              <a:ext uri="{28A0092B-C50C-407E-A947-70E740481C1C}">
+                <a14:useLocalDpi xmlns:a14="http://schemas.microsoft.com/office/drawing/2010/main" val="0"/>
+              </a:ext>
+            </a:extLst>
+          </a:blip>
+          <a:stretch>
+            <a:fillRect/>
+          </a:stretch>
+        </p:blipFill>
+        <p:spPr>
+          <a:xfrm>
+            <a:off x="1496616" y="3199589"/>
+            <a:ext cx="5220152" cy="3017782"/>
+          </a:xfrm>
+          <a:prstGeom prst="rect">
+            <a:avLst/>
+          </a:prstGeom>
+          <a:ln>
+            <a:solidFill>
+              <a:schemeClr val="bg1">
+                <a:lumMod val="85000"/>
+              </a:schemeClr>
+            </a:solidFill>
+          </a:ln>
+        </p:spPr>
+      </p:pic>
+    </p:spTree>
+    <p:extLst>
+      <p:ext uri="{BB962C8B-B14F-4D97-AF65-F5344CB8AC3E}">
+        <p14:creationId xmlns:p14="http://schemas.microsoft.com/office/powerpoint/2010/main" val="3285542386"/>
+      </p:ext>
+    </p:extLst>
+  </p:cSld>
+  <p:clrMapOvr>
+    <a:masterClrMapping/>
+  </p:clrMapOvr>
+  <p:timing>
+    <p:tnLst>
+      <p:par>
+        <p:cTn id="1" dur="indefinite" restart="never" nodeType="tmRoot"/>
+      </p:par>
+    </p:tnLst>
+  </p:timing>
+</p:sld>
+</file>
+
+<file path=ppt/slides/slide34.xml><?xml version="1.0" encoding="utf-8"?>
+<p:sld xmlns:a="http://schemas.openxmlformats.org/drawingml/2006/main" xmlns:r="http://schemas.openxmlformats.org/officeDocument/2006/relationships" xmlns:p="http://schemas.openxmlformats.org/presentationml/2006/main">
+  <p:cSld>
+    <p:spTree>
+      <p:nvGrpSpPr>
+        <p:cNvPr id="1" name=""/>
+        <p:cNvGrpSpPr/>
+        <p:nvPr/>
+      </p:nvGrpSpPr>
+      <p:grpSpPr>
+        <a:xfrm>
+          <a:off x="0" y="0"/>
+          <a:ext cx="0" cy="0"/>
+          <a:chOff x="0" y="0"/>
+          <a:chExt cx="0" cy="0"/>
+        </a:xfrm>
+      </p:grpSpPr>
+      <p:sp>
+        <p:nvSpPr>
+          <p:cNvPr id="2" name="제목 1"/>
+          <p:cNvSpPr>
+            <a:spLocks noGrp="1"/>
+          </p:cNvSpPr>
+          <p:nvPr>
+            <p:ph type="title"/>
+          </p:nvPr>
+        </p:nvSpPr>
+        <p:spPr>
+          <a:xfrm>
+            <a:off x="628137" y="151113"/>
+            <a:ext cx="6201139" cy="854968"/>
+          </a:xfrm>
+        </p:spPr>
+        <p:txBody>
+          <a:bodyPr/>
+          <a:lstStyle/>
+          <a:p>
+            <a:pPr marL="342900" indent="-342900">
+              <a:lnSpc>
+                <a:spcPct val="150000"/>
+              </a:lnSpc>
+            </a:pPr>
+            <a:r>
+              <a:rPr lang="en-US" altLang="ko-KR" dirty="0"/>
+              <a:t> </a:t>
+            </a:r>
+            <a:r>
+              <a:rPr lang="ko-KR" altLang="en-US" dirty="0" smtClean="0"/>
+              <a:t>소셜 로그인</a:t>
+            </a:r>
+            <a:endParaRPr lang="en-US" altLang="ko-KR" dirty="0"/>
+          </a:p>
+        </p:txBody>
+      </p:sp>
+      <p:sp>
+        <p:nvSpPr>
+          <p:cNvPr id="4" name="슬라이드 번호 개체 틀 3"/>
+          <p:cNvSpPr>
+            <a:spLocks noGrp="1"/>
+          </p:cNvSpPr>
+          <p:nvPr>
+            <p:ph type="sldNum" sz="quarter" idx="12"/>
+          </p:nvPr>
+        </p:nvSpPr>
+        <p:spPr/>
+        <p:txBody>
+          <a:bodyPr/>
+          <a:lstStyle/>
+          <a:p>
+            <a:fld id="{1BDE3FE7-3AEA-4B05-AC5A-802D1816ACF0}" type="slidenum">
+              <a:rPr lang="ko-KR" altLang="en-US" smtClean="0"/>
+              <a:t>34</a:t>
+            </a:fld>
+            <a:endParaRPr lang="ko-KR" altLang="en-US"/>
+          </a:p>
+        </p:txBody>
+      </p:sp>
+      <p:sp>
+        <p:nvSpPr>
+          <p:cNvPr id="8" name="TextBox 7"/>
+          <p:cNvSpPr txBox="1"/>
+          <p:nvPr/>
+        </p:nvSpPr>
+        <p:spPr>
+          <a:xfrm>
+            <a:off x="992560" y="1372706"/>
+            <a:ext cx="4896544" cy="400110"/>
+          </a:xfrm>
+          <a:prstGeom prst="rect">
+            <a:avLst/>
+          </a:prstGeom>
+          <a:noFill/>
+        </p:spPr>
+        <p:txBody>
+          <a:bodyPr wrap="square" rtlCol="0">
+            <a:spAutoFit/>
+          </a:bodyPr>
+          <a:lstStyle/>
+          <a:p>
+            <a:pPr marL="342900" indent="-342900">
+              <a:buFont typeface="Wingdings" panose="05000000000000000000" pitchFamily="2" charset="2"/>
+              <a:buChar char="l"/>
+            </a:pPr>
+            <a:r>
+              <a:rPr lang="en-US" altLang="ko-KR" sz="2000" dirty="0"/>
+              <a:t>s</a:t>
+            </a:r>
+            <a:r>
+              <a:rPr lang="en-US" altLang="ko-KR" sz="2000" dirty="0" smtClean="0"/>
+              <a:t>etting.py</a:t>
+            </a:r>
+            <a:r>
+              <a:rPr lang="ko-KR" altLang="en-US" sz="2000" dirty="0" smtClean="0"/>
+              <a:t>에 등록</a:t>
+            </a:r>
+            <a:endParaRPr lang="en-US" altLang="ko-KR" sz="2000" dirty="0"/>
+          </a:p>
+        </p:txBody>
+      </p:sp>
+      <p:pic>
+        <p:nvPicPr>
+          <p:cNvPr id="3" name="그림 2"/>
+          <p:cNvPicPr>
+            <a:picLocks noChangeAspect="1"/>
+          </p:cNvPicPr>
+          <p:nvPr/>
+        </p:nvPicPr>
+        <p:blipFill>
+          <a:blip r:embed="rId2">
+            <a:extLst>
+              <a:ext uri="{28A0092B-C50C-407E-A947-70E740481C1C}">
+                <a14:useLocalDpi xmlns:a14="http://schemas.microsoft.com/office/drawing/2010/main" val="0"/>
+              </a:ext>
+            </a:extLst>
+          </a:blip>
+          <a:stretch>
+            <a:fillRect/>
+          </a:stretch>
+        </p:blipFill>
+        <p:spPr>
+          <a:xfrm>
+            <a:off x="1424608" y="1944840"/>
+            <a:ext cx="6911939" cy="1844200"/>
+          </a:xfrm>
+          <a:prstGeom prst="rect">
+            <a:avLst/>
+          </a:prstGeom>
+          <a:ln>
+            <a:solidFill>
+              <a:schemeClr val="bg1">
+                <a:lumMod val="85000"/>
+              </a:schemeClr>
+            </a:solidFill>
+          </a:ln>
+        </p:spPr>
+      </p:pic>
+      <p:sp>
+        <p:nvSpPr>
+          <p:cNvPr id="10" name="TextBox 9"/>
+          <p:cNvSpPr txBox="1"/>
+          <p:nvPr/>
+        </p:nvSpPr>
+        <p:spPr>
+          <a:xfrm>
+            <a:off x="1136576" y="4149080"/>
+            <a:ext cx="4176879" cy="956159"/>
+          </a:xfrm>
+          <a:prstGeom prst="rect">
+            <a:avLst/>
+          </a:prstGeom>
+          <a:noFill/>
+        </p:spPr>
+        <p:txBody>
+          <a:bodyPr wrap="square" rtlCol="0">
+            <a:spAutoFit/>
+          </a:bodyPr>
+          <a:lstStyle/>
+          <a:p>
+            <a:pPr marL="342900" indent="-342900">
+              <a:lnSpc>
+                <a:spcPct val="150000"/>
+              </a:lnSpc>
+              <a:buFont typeface="Wingdings" panose="05000000000000000000" pitchFamily="2" charset="2"/>
+              <a:buChar char="l"/>
+            </a:pPr>
+            <a:r>
+              <a:rPr lang="en-US" altLang="ko-KR" sz="2000" dirty="0"/>
+              <a:t>DB</a:t>
+            </a:r>
+            <a:r>
+              <a:rPr lang="ko-KR" altLang="en-US" sz="2000" dirty="0"/>
+              <a:t>에 적용</a:t>
+            </a:r>
+          </a:p>
+          <a:p>
+            <a:pPr>
+              <a:lnSpc>
+                <a:spcPct val="150000"/>
+              </a:lnSpc>
+            </a:pPr>
+            <a:r>
+              <a:rPr lang="en-US" altLang="ko-KR" sz="2000" b="1" dirty="0" smtClean="0"/>
+              <a:t>    python </a:t>
+            </a:r>
+            <a:r>
+              <a:rPr lang="en-US" altLang="ko-KR" sz="2000" b="1" dirty="0"/>
+              <a:t>manage.py migrate</a:t>
+            </a:r>
+          </a:p>
+        </p:txBody>
+      </p:sp>
+    </p:spTree>
+    <p:extLst>
+      <p:ext uri="{BB962C8B-B14F-4D97-AF65-F5344CB8AC3E}">
+        <p14:creationId xmlns:p14="http://schemas.microsoft.com/office/powerpoint/2010/main" val="3372531317"/>
+      </p:ext>
+    </p:extLst>
+  </p:cSld>
+  <p:clrMapOvr>
+    <a:masterClrMapping/>
+  </p:clrMapOvr>
+  <p:timing>
+    <p:tnLst>
+      <p:par>
+        <p:cTn id="1" dur="indefinite" restart="never" nodeType="tmRoot"/>
+      </p:par>
+    </p:tnLst>
+  </p:timing>
+</p:sld>
+</file>
+
+<file path=ppt/slides/slide35.xml><?xml version="1.0" encoding="utf-8"?>
+<p:sld xmlns:a="http://schemas.openxmlformats.org/drawingml/2006/main" xmlns:r="http://schemas.openxmlformats.org/officeDocument/2006/relationships" xmlns:p="http://schemas.openxmlformats.org/presentationml/2006/main">
+  <p:cSld>
+    <p:spTree>
+      <p:nvGrpSpPr>
+        <p:cNvPr id="1" name=""/>
+        <p:cNvGrpSpPr/>
+        <p:nvPr/>
+      </p:nvGrpSpPr>
+      <p:grpSpPr>
+        <a:xfrm>
+          <a:off x="0" y="0"/>
+          <a:ext cx="0" cy="0"/>
+          <a:chOff x="0" y="0"/>
+          <a:chExt cx="0" cy="0"/>
+        </a:xfrm>
+      </p:grpSpPr>
+      <p:sp>
+        <p:nvSpPr>
+          <p:cNvPr id="2" name="제목 1"/>
+          <p:cNvSpPr>
+            <a:spLocks noGrp="1"/>
+          </p:cNvSpPr>
+          <p:nvPr>
+            <p:ph type="title"/>
+          </p:nvPr>
+        </p:nvSpPr>
+        <p:spPr>
+          <a:xfrm>
+            <a:off x="628137" y="151113"/>
+            <a:ext cx="6201139" cy="854968"/>
+          </a:xfrm>
+        </p:spPr>
+        <p:txBody>
+          <a:bodyPr/>
+          <a:lstStyle/>
+          <a:p>
+            <a:pPr marL="342900" indent="-342900">
+              <a:lnSpc>
+                <a:spcPct val="150000"/>
+              </a:lnSpc>
+            </a:pPr>
+            <a:r>
+              <a:rPr lang="en-US" altLang="ko-KR" dirty="0"/>
+              <a:t> </a:t>
+            </a:r>
+            <a:r>
+              <a:rPr lang="ko-KR" altLang="en-US" dirty="0" smtClean="0"/>
+              <a:t>소셜 로그인</a:t>
+            </a:r>
+            <a:endParaRPr lang="en-US" altLang="ko-KR" dirty="0"/>
+          </a:p>
+        </p:txBody>
+      </p:sp>
+      <p:sp>
+        <p:nvSpPr>
+          <p:cNvPr id="4" name="슬라이드 번호 개체 틀 3"/>
+          <p:cNvSpPr>
+            <a:spLocks noGrp="1"/>
+          </p:cNvSpPr>
+          <p:nvPr>
+            <p:ph type="sldNum" sz="quarter" idx="12"/>
+          </p:nvPr>
+        </p:nvSpPr>
+        <p:spPr/>
+        <p:txBody>
+          <a:bodyPr/>
+          <a:lstStyle/>
+          <a:p>
+            <a:fld id="{1BDE3FE7-3AEA-4B05-AC5A-802D1816ACF0}" type="slidenum">
+              <a:rPr lang="ko-KR" altLang="en-US" smtClean="0"/>
+              <a:t>35</a:t>
+            </a:fld>
+            <a:endParaRPr lang="ko-KR" altLang="en-US"/>
+          </a:p>
+        </p:txBody>
+      </p:sp>
+      <p:sp>
+        <p:nvSpPr>
+          <p:cNvPr id="8" name="TextBox 7"/>
+          <p:cNvSpPr txBox="1"/>
+          <p:nvPr/>
+        </p:nvSpPr>
+        <p:spPr>
+          <a:xfrm>
+            <a:off x="992560" y="1372706"/>
+            <a:ext cx="4896544" cy="400110"/>
+          </a:xfrm>
+          <a:prstGeom prst="rect">
+            <a:avLst/>
+          </a:prstGeom>
+          <a:noFill/>
+        </p:spPr>
+        <p:txBody>
+          <a:bodyPr wrap="square" rtlCol="0">
+            <a:spAutoFit/>
+          </a:bodyPr>
+          <a:lstStyle/>
+          <a:p>
+            <a:pPr marL="342900" indent="-342900">
+              <a:buFont typeface="Wingdings" panose="05000000000000000000" pitchFamily="2" charset="2"/>
+              <a:buChar char="l"/>
+            </a:pPr>
+            <a:r>
+              <a:rPr lang="en-US" altLang="ko-KR" sz="2000" dirty="0"/>
+              <a:t>c</a:t>
+            </a:r>
+            <a:r>
+              <a:rPr lang="en-US" altLang="ko-KR" sz="2000" dirty="0" smtClean="0"/>
+              <a:t>onfig/urls.py</a:t>
+            </a:r>
+            <a:r>
+              <a:rPr lang="ko-KR" altLang="en-US" sz="2000" dirty="0" smtClean="0"/>
+              <a:t>에 등록</a:t>
+            </a:r>
+            <a:endParaRPr lang="en-US" altLang="ko-KR" sz="2000" dirty="0"/>
+          </a:p>
+        </p:txBody>
+      </p:sp>
+      <p:pic>
+        <p:nvPicPr>
+          <p:cNvPr id="3" name="그림 2"/>
+          <p:cNvPicPr>
+            <a:picLocks noChangeAspect="1"/>
+          </p:cNvPicPr>
+          <p:nvPr/>
+        </p:nvPicPr>
+        <p:blipFill>
+          <a:blip r:embed="rId2">
+            <a:extLst>
+              <a:ext uri="{28A0092B-C50C-407E-A947-70E740481C1C}">
+                <a14:useLocalDpi xmlns:a14="http://schemas.microsoft.com/office/drawing/2010/main" val="0"/>
+              </a:ext>
+            </a:extLst>
+          </a:blip>
+          <a:stretch>
+            <a:fillRect/>
+          </a:stretch>
+        </p:blipFill>
+        <p:spPr>
+          <a:xfrm>
+            <a:off x="1424608" y="1916832"/>
+            <a:ext cx="5776461" cy="2293819"/>
+          </a:xfrm>
+          <a:prstGeom prst="rect">
+            <a:avLst/>
+          </a:prstGeom>
+          <a:ln>
+            <a:solidFill>
+              <a:schemeClr val="bg1">
+                <a:lumMod val="85000"/>
+              </a:schemeClr>
+            </a:solidFill>
+          </a:ln>
+        </p:spPr>
+      </p:pic>
+    </p:spTree>
+    <p:extLst>
+      <p:ext uri="{BB962C8B-B14F-4D97-AF65-F5344CB8AC3E}">
+        <p14:creationId xmlns:p14="http://schemas.microsoft.com/office/powerpoint/2010/main" val="2832121242"/>
+      </p:ext>
+    </p:extLst>
+  </p:cSld>
+  <p:clrMapOvr>
+    <a:masterClrMapping/>
+  </p:clrMapOvr>
+  <p:timing>
+    <p:tnLst>
+      <p:par>
+        <p:cTn id="1" dur="indefinite" restart="never" nodeType="tmRoot"/>
+      </p:par>
+    </p:tnLst>
+  </p:timing>
+</p:sld>
+</file>
+
+<file path=ppt/slides/slide36.xml><?xml version="1.0" encoding="utf-8"?>
+<p:sld xmlns:a="http://schemas.openxmlformats.org/drawingml/2006/main" xmlns:r="http://schemas.openxmlformats.org/officeDocument/2006/relationships" xmlns:p="http://schemas.openxmlformats.org/presentationml/2006/main">
+  <p:cSld>
+    <p:spTree>
+      <p:nvGrpSpPr>
+        <p:cNvPr id="1" name=""/>
+        <p:cNvGrpSpPr/>
+        <p:nvPr/>
+      </p:nvGrpSpPr>
+      <p:grpSpPr>
+        <a:xfrm>
+          <a:off x="0" y="0"/>
+          <a:ext cx="0" cy="0"/>
+          <a:chOff x="0" y="0"/>
+          <a:chExt cx="0" cy="0"/>
+        </a:xfrm>
+      </p:grpSpPr>
+      <p:sp>
+        <p:nvSpPr>
+          <p:cNvPr id="2" name="제목 1"/>
+          <p:cNvSpPr>
+            <a:spLocks noGrp="1"/>
+          </p:cNvSpPr>
+          <p:nvPr>
+            <p:ph type="title"/>
+          </p:nvPr>
+        </p:nvSpPr>
+        <p:spPr>
+          <a:xfrm>
+            <a:off x="628137" y="151113"/>
+            <a:ext cx="6201139" cy="854968"/>
+          </a:xfrm>
+        </p:spPr>
+        <p:txBody>
+          <a:bodyPr/>
+          <a:lstStyle/>
+          <a:p>
+            <a:pPr marL="342900" indent="-342900">
+              <a:lnSpc>
+                <a:spcPct val="150000"/>
+              </a:lnSpc>
+            </a:pPr>
+            <a:r>
+              <a:rPr lang="en-US" altLang="ko-KR" dirty="0"/>
+              <a:t> </a:t>
+            </a:r>
+            <a:r>
+              <a:rPr lang="ko-KR" altLang="en-US" dirty="0"/>
+              <a:t>소셜 로그인</a:t>
+            </a:r>
+            <a:endParaRPr lang="en-US" altLang="ko-KR" dirty="0"/>
+          </a:p>
+        </p:txBody>
+      </p:sp>
+      <p:sp>
+        <p:nvSpPr>
+          <p:cNvPr id="4" name="슬라이드 번호 개체 틀 3"/>
+          <p:cNvSpPr>
+            <a:spLocks noGrp="1"/>
+          </p:cNvSpPr>
+          <p:nvPr>
+            <p:ph type="sldNum" sz="quarter" idx="12"/>
+          </p:nvPr>
+        </p:nvSpPr>
+        <p:spPr/>
+        <p:txBody>
+          <a:bodyPr/>
+          <a:lstStyle/>
+          <a:p>
+            <a:fld id="{1BDE3FE7-3AEA-4B05-AC5A-802D1816ACF0}" type="slidenum">
+              <a:rPr lang="ko-KR" altLang="en-US" smtClean="0"/>
+              <a:t>36</a:t>
+            </a:fld>
+            <a:endParaRPr lang="ko-KR" altLang="en-US"/>
+          </a:p>
+        </p:txBody>
+      </p:sp>
+      <p:sp>
+        <p:nvSpPr>
+          <p:cNvPr id="8" name="TextBox 7"/>
+          <p:cNvSpPr txBox="1"/>
+          <p:nvPr/>
+        </p:nvSpPr>
+        <p:spPr>
+          <a:xfrm>
+            <a:off x="992560" y="1372706"/>
+            <a:ext cx="6984776" cy="400110"/>
+          </a:xfrm>
+          <a:prstGeom prst="rect">
+            <a:avLst/>
+          </a:prstGeom>
+          <a:noFill/>
+        </p:spPr>
+        <p:txBody>
+          <a:bodyPr wrap="square" rtlCol="0">
+            <a:spAutoFit/>
+          </a:bodyPr>
+          <a:lstStyle/>
+          <a:p>
+            <a:pPr marL="342900" indent="-342900">
+              <a:buFont typeface="Wingdings" panose="05000000000000000000" pitchFamily="2" charset="2"/>
+              <a:buChar char="l"/>
+            </a:pPr>
+            <a:r>
+              <a:rPr lang="ko-KR" altLang="en-US" sz="2000" dirty="0" smtClean="0"/>
+              <a:t>관리자 페이지 </a:t>
+            </a:r>
+            <a:r>
+              <a:rPr lang="en-US" altLang="ko-KR" sz="2000" dirty="0" smtClean="0"/>
+              <a:t>&gt; </a:t>
+            </a:r>
+            <a:r>
+              <a:rPr lang="ko-KR" altLang="en-US" sz="2000" dirty="0" smtClean="0"/>
+              <a:t>소셜 계정</a:t>
+            </a:r>
+            <a:r>
+              <a:rPr lang="en-US" altLang="ko-KR" sz="2000" dirty="0" smtClean="0"/>
+              <a:t> &gt; </a:t>
+            </a:r>
+            <a:r>
+              <a:rPr lang="ko-KR" altLang="en-US" sz="2000" dirty="0" smtClean="0"/>
+              <a:t>소셜 어플리케이션 </a:t>
+            </a:r>
+            <a:r>
+              <a:rPr lang="en-US" altLang="ko-KR" sz="2000" dirty="0" smtClean="0"/>
+              <a:t>&gt; </a:t>
+            </a:r>
+            <a:r>
+              <a:rPr lang="ko-KR" altLang="en-US" sz="2000" dirty="0" smtClean="0"/>
+              <a:t>추가</a:t>
+            </a:r>
+            <a:r>
+              <a:rPr lang="en-US" altLang="ko-KR" sz="2000" dirty="0" smtClean="0"/>
+              <a:t> </a:t>
+            </a:r>
+            <a:endParaRPr lang="en-US" altLang="ko-KR" sz="2000" dirty="0"/>
+          </a:p>
+        </p:txBody>
+      </p:sp>
+      <p:pic>
+        <p:nvPicPr>
+          <p:cNvPr id="3" name="그림 2"/>
+          <p:cNvPicPr>
+            <a:picLocks noChangeAspect="1"/>
+          </p:cNvPicPr>
+          <p:nvPr/>
+        </p:nvPicPr>
+        <p:blipFill>
+          <a:blip r:embed="rId2">
+            <a:extLst>
+              <a:ext uri="{28A0092B-C50C-407E-A947-70E740481C1C}">
+                <a14:useLocalDpi xmlns:a14="http://schemas.microsoft.com/office/drawing/2010/main" val="0"/>
+              </a:ext>
+            </a:extLst>
+          </a:blip>
+          <a:stretch>
+            <a:fillRect/>
+          </a:stretch>
+        </p:blipFill>
+        <p:spPr>
+          <a:xfrm>
+            <a:off x="1424608" y="2204864"/>
+            <a:ext cx="5997460" cy="2448272"/>
+          </a:xfrm>
+          <a:prstGeom prst="rect">
+            <a:avLst/>
+          </a:prstGeom>
+        </p:spPr>
+      </p:pic>
+      <p:sp>
+        <p:nvSpPr>
+          <p:cNvPr id="6" name="타원 5"/>
+          <p:cNvSpPr/>
+          <p:nvPr/>
+        </p:nvSpPr>
+        <p:spPr>
+          <a:xfrm>
+            <a:off x="5817096" y="3717032"/>
+            <a:ext cx="864096" cy="360040"/>
+          </a:xfrm>
+          <a:prstGeom prst="ellipse">
+            <a:avLst/>
+          </a:prstGeom>
+          <a:noFill/>
+          <a:ln w="28575">
+            <a:solidFill>
+              <a:srgbClr val="C00000"/>
+            </a:solidFill>
+          </a:ln>
+        </p:spPr>
+        <p:style>
+          <a:lnRef idx="2">
+            <a:schemeClr val="accent1">
+              <a:shade val="50000"/>
+            </a:schemeClr>
+          </a:lnRef>
+          <a:fillRef idx="1">
+            <a:schemeClr val="accent1"/>
+          </a:fillRef>
+          <a:effectRef idx="0">
+            <a:schemeClr val="accent1"/>
+          </a:effectRef>
+          <a:fontRef idx="minor">
+            <a:schemeClr val="lt1"/>
+          </a:fontRef>
+        </p:style>
+        <p:txBody>
+          <a:bodyPr rtlCol="0" anchor="ctr"/>
+          <a:lstStyle/>
+          <a:p>
+            <a:pPr algn="ctr"/>
+            <a:endParaRPr lang="ko-KR" altLang="en-US"/>
+          </a:p>
+        </p:txBody>
+      </p:sp>
+    </p:spTree>
+    <p:extLst>
+      <p:ext uri="{BB962C8B-B14F-4D97-AF65-F5344CB8AC3E}">
+        <p14:creationId xmlns:p14="http://schemas.microsoft.com/office/powerpoint/2010/main" val="438348433"/>
+      </p:ext>
+    </p:extLst>
+  </p:cSld>
+  <p:clrMapOvr>
+    <a:masterClrMapping/>
+  </p:clrMapOvr>
+  <p:timing>
+    <p:tnLst>
+      <p:par>
+        <p:cTn id="1" dur="indefinite" restart="never" nodeType="tmRoot"/>
+      </p:par>
+    </p:tnLst>
+  </p:timing>
+</p:sld>
+</file>
+
+<file path=ppt/slides/slide37.xml><?xml version="1.0" encoding="utf-8"?>
+<p:sld xmlns:a="http://schemas.openxmlformats.org/drawingml/2006/main" xmlns:r="http://schemas.openxmlformats.org/officeDocument/2006/relationships" xmlns:p="http://schemas.openxmlformats.org/presentationml/2006/main">
+  <p:cSld>
+    <p:spTree>
+      <p:nvGrpSpPr>
+        <p:cNvPr id="1" name=""/>
+        <p:cNvGrpSpPr/>
+        <p:nvPr/>
+      </p:nvGrpSpPr>
+      <p:grpSpPr>
+        <a:xfrm>
+          <a:off x="0" y="0"/>
+          <a:ext cx="0" cy="0"/>
+          <a:chOff x="0" y="0"/>
+          <a:chExt cx="0" cy="0"/>
+        </a:xfrm>
+      </p:grpSpPr>
+      <p:sp>
+        <p:nvSpPr>
+          <p:cNvPr id="2" name="제목 1"/>
+          <p:cNvSpPr>
+            <a:spLocks noGrp="1"/>
+          </p:cNvSpPr>
+          <p:nvPr>
+            <p:ph type="title"/>
+          </p:nvPr>
+        </p:nvSpPr>
+        <p:spPr>
+          <a:xfrm>
+            <a:off x="628137" y="151113"/>
+            <a:ext cx="6201139" cy="854968"/>
+          </a:xfrm>
+        </p:spPr>
+        <p:txBody>
+          <a:bodyPr/>
+          <a:lstStyle/>
+          <a:p>
+            <a:pPr marL="342900" indent="-342900">
+              <a:lnSpc>
+                <a:spcPct val="150000"/>
+              </a:lnSpc>
+            </a:pPr>
+            <a:r>
+              <a:rPr lang="en-US" altLang="ko-KR" dirty="0"/>
+              <a:t> </a:t>
+            </a:r>
+            <a:r>
+              <a:rPr lang="ko-KR" altLang="en-US" dirty="0"/>
+              <a:t>소셜 로그인</a:t>
+            </a:r>
+            <a:endParaRPr lang="en-US" altLang="ko-KR" dirty="0"/>
+          </a:p>
+        </p:txBody>
+      </p:sp>
+      <p:sp>
+        <p:nvSpPr>
+          <p:cNvPr id="4" name="슬라이드 번호 개체 틀 3"/>
+          <p:cNvSpPr>
+            <a:spLocks noGrp="1"/>
+          </p:cNvSpPr>
+          <p:nvPr>
+            <p:ph type="sldNum" sz="quarter" idx="12"/>
+          </p:nvPr>
+        </p:nvSpPr>
+        <p:spPr/>
+        <p:txBody>
+          <a:bodyPr/>
+          <a:lstStyle/>
+          <a:p>
+            <a:fld id="{1BDE3FE7-3AEA-4B05-AC5A-802D1816ACF0}" type="slidenum">
+              <a:rPr lang="ko-KR" altLang="en-US" smtClean="0"/>
+              <a:t>37</a:t>
+            </a:fld>
+            <a:endParaRPr lang="ko-KR" altLang="en-US"/>
+          </a:p>
+        </p:txBody>
+      </p:sp>
+      <p:sp>
+        <p:nvSpPr>
+          <p:cNvPr id="8" name="TextBox 7"/>
+          <p:cNvSpPr txBox="1"/>
+          <p:nvPr/>
+        </p:nvSpPr>
+        <p:spPr>
+          <a:xfrm>
+            <a:off x="992560" y="1372706"/>
+            <a:ext cx="6984776" cy="400110"/>
+          </a:xfrm>
+          <a:prstGeom prst="rect">
+            <a:avLst/>
+          </a:prstGeom>
+          <a:noFill/>
+        </p:spPr>
+        <p:txBody>
+          <a:bodyPr wrap="square" rtlCol="0">
+            <a:spAutoFit/>
+          </a:bodyPr>
+          <a:lstStyle/>
+          <a:p>
+            <a:pPr marL="342900" indent="-342900">
+              <a:buFont typeface="Wingdings" panose="05000000000000000000" pitchFamily="2" charset="2"/>
+              <a:buChar char="l"/>
+            </a:pPr>
+            <a:r>
+              <a:rPr lang="ko-KR" altLang="en-US" sz="2000" dirty="0" smtClean="0"/>
+              <a:t>관리자 페이지 </a:t>
+            </a:r>
+            <a:r>
+              <a:rPr lang="en-US" altLang="ko-KR" sz="2000" dirty="0" smtClean="0"/>
+              <a:t>&gt; </a:t>
+            </a:r>
+            <a:r>
+              <a:rPr lang="ko-KR" altLang="en-US" sz="2000" dirty="0" smtClean="0"/>
+              <a:t>소셜 계정</a:t>
+            </a:r>
+            <a:r>
+              <a:rPr lang="en-US" altLang="ko-KR" sz="2000" dirty="0" smtClean="0"/>
+              <a:t> &gt; </a:t>
+            </a:r>
+            <a:r>
+              <a:rPr lang="ko-KR" altLang="en-US" sz="2000" dirty="0" smtClean="0"/>
+              <a:t>소셜 어플리케이션 </a:t>
+            </a:r>
+            <a:r>
+              <a:rPr lang="en-US" altLang="ko-KR" sz="2000" dirty="0" smtClean="0"/>
+              <a:t>&gt; </a:t>
+            </a:r>
+            <a:r>
+              <a:rPr lang="ko-KR" altLang="en-US" sz="2000" dirty="0" smtClean="0"/>
+              <a:t>추가</a:t>
+            </a:r>
+            <a:r>
+              <a:rPr lang="en-US" altLang="ko-KR" sz="2000" dirty="0" smtClean="0"/>
+              <a:t> </a:t>
+            </a:r>
+            <a:endParaRPr lang="en-US" altLang="ko-KR" sz="2000" dirty="0"/>
+          </a:p>
+        </p:txBody>
+      </p:sp>
+      <p:grpSp>
+        <p:nvGrpSpPr>
+          <p:cNvPr id="7" name="그룹 6"/>
+          <p:cNvGrpSpPr/>
+          <p:nvPr/>
+        </p:nvGrpSpPr>
+        <p:grpSpPr>
+          <a:xfrm>
+            <a:off x="1568624" y="1886738"/>
+            <a:ext cx="6675797" cy="4722386"/>
+            <a:chOff x="1568624" y="1886738"/>
+            <a:chExt cx="6675797" cy="4722386"/>
+          </a:xfrm>
+        </p:grpSpPr>
+        <p:pic>
+          <p:nvPicPr>
+            <p:cNvPr id="3" name="그림 2"/>
+            <p:cNvPicPr>
+              <a:picLocks noChangeAspect="1"/>
+            </p:cNvPicPr>
+            <p:nvPr/>
+          </p:nvPicPr>
+          <p:blipFill>
+            <a:blip r:embed="rId2">
+              <a:extLst>
+                <a:ext uri="{28A0092B-C50C-407E-A947-70E740481C1C}">
+                  <a14:useLocalDpi xmlns:a14="http://schemas.microsoft.com/office/drawing/2010/main" val="0"/>
+                </a:ext>
+              </a:extLst>
+            </a:blip>
+            <a:stretch>
+              <a:fillRect/>
+            </a:stretch>
+          </p:blipFill>
+          <p:spPr>
+            <a:xfrm>
+              <a:off x="1568624" y="1886738"/>
+              <a:ext cx="6675797" cy="4722386"/>
+            </a:xfrm>
+            <a:prstGeom prst="rect">
+              <a:avLst/>
+            </a:prstGeom>
+            <a:ln>
+              <a:solidFill>
+                <a:schemeClr val="bg1">
+                  <a:lumMod val="85000"/>
+                </a:schemeClr>
+              </a:solidFill>
+            </a:ln>
+          </p:spPr>
+        </p:pic>
+        <p:cxnSp>
+          <p:nvCxnSpPr>
+            <p:cNvPr id="9" name="직선 연결선 8"/>
+            <p:cNvCxnSpPr/>
+            <p:nvPr/>
+          </p:nvCxnSpPr>
+          <p:spPr>
+            <a:xfrm>
+              <a:off x="3224808" y="4221088"/>
+              <a:ext cx="2448272" cy="0"/>
+            </a:xfrm>
+            <a:prstGeom prst="line">
+              <a:avLst/>
+            </a:prstGeom>
+            <a:ln w="57150">
+              <a:solidFill>
+                <a:schemeClr val="tx1"/>
+              </a:solidFill>
+            </a:ln>
+          </p:spPr>
+          <p:style>
+            <a:lnRef idx="1">
+              <a:schemeClr val="accent1"/>
+            </a:lnRef>
+            <a:fillRef idx="0">
+              <a:schemeClr val="accent1"/>
+            </a:fillRef>
+            <a:effectRef idx="0">
+              <a:schemeClr val="accent1"/>
+            </a:effectRef>
+            <a:fontRef idx="minor">
+              <a:schemeClr val="tx1"/>
+            </a:fontRef>
+          </p:style>
+        </p:cxnSp>
+      </p:grpSp>
+    </p:spTree>
+    <p:extLst>
+      <p:ext uri="{BB962C8B-B14F-4D97-AF65-F5344CB8AC3E}">
+        <p14:creationId xmlns:p14="http://schemas.microsoft.com/office/powerpoint/2010/main" val="379714126"/>
+      </p:ext>
+    </p:extLst>
+  </p:cSld>
+  <p:clrMapOvr>
+    <a:masterClrMapping/>
+  </p:clrMapOvr>
+  <p:timing>
+    <p:tnLst>
+      <p:par>
+        <p:cTn id="1" dur="indefinite" restart="never" nodeType="tmRoot"/>
+      </p:par>
+    </p:tnLst>
+  </p:timing>
+</p:sld>
+</file>
+
+<file path=ppt/slides/slide38.xml><?xml version="1.0" encoding="utf-8"?>
+<p:sld xmlns:a="http://schemas.openxmlformats.org/drawingml/2006/main" xmlns:r="http://schemas.openxmlformats.org/officeDocument/2006/relationships" xmlns:p="http://schemas.openxmlformats.org/presentationml/2006/main">
+  <p:cSld>
+    <p:spTree>
+      <p:nvGrpSpPr>
+        <p:cNvPr id="1" name=""/>
+        <p:cNvGrpSpPr/>
+        <p:nvPr/>
+      </p:nvGrpSpPr>
+      <p:grpSpPr>
+        <a:xfrm>
+          <a:off x="0" y="0"/>
+          <a:ext cx="0" cy="0"/>
+          <a:chOff x="0" y="0"/>
+          <a:chExt cx="0" cy="0"/>
+        </a:xfrm>
+      </p:grpSpPr>
+      <p:sp>
+        <p:nvSpPr>
+          <p:cNvPr id="2" name="제목 1"/>
+          <p:cNvSpPr>
+            <a:spLocks noGrp="1"/>
+          </p:cNvSpPr>
+          <p:nvPr>
+            <p:ph type="title"/>
+          </p:nvPr>
+        </p:nvSpPr>
+        <p:spPr>
+          <a:xfrm>
+            <a:off x="628137" y="151113"/>
+            <a:ext cx="6201139" cy="854968"/>
+          </a:xfrm>
+        </p:spPr>
+        <p:txBody>
+          <a:bodyPr/>
+          <a:lstStyle/>
+          <a:p>
+            <a:pPr marL="342900" indent="-342900">
+              <a:lnSpc>
+                <a:spcPct val="150000"/>
+              </a:lnSpc>
+            </a:pPr>
+            <a:r>
+              <a:rPr lang="en-US" altLang="ko-KR" dirty="0"/>
+              <a:t> </a:t>
+            </a:r>
+            <a:r>
+              <a:rPr lang="ko-KR" altLang="en-US" dirty="0" smtClean="0"/>
+              <a:t>소셜 로그인</a:t>
+            </a:r>
+            <a:endParaRPr lang="en-US" altLang="ko-KR" dirty="0"/>
+          </a:p>
+        </p:txBody>
+      </p:sp>
+      <p:sp>
+        <p:nvSpPr>
+          <p:cNvPr id="4" name="슬라이드 번호 개체 틀 3"/>
+          <p:cNvSpPr>
+            <a:spLocks noGrp="1"/>
+          </p:cNvSpPr>
+          <p:nvPr>
+            <p:ph type="sldNum" sz="quarter" idx="12"/>
+          </p:nvPr>
+        </p:nvSpPr>
+        <p:spPr/>
+        <p:txBody>
+          <a:bodyPr/>
+          <a:lstStyle/>
+          <a:p>
+            <a:fld id="{1BDE3FE7-3AEA-4B05-AC5A-802D1816ACF0}" type="slidenum">
+              <a:rPr lang="ko-KR" altLang="en-US" smtClean="0"/>
+              <a:t>38</a:t>
+            </a:fld>
+            <a:endParaRPr lang="ko-KR" altLang="en-US"/>
+          </a:p>
+        </p:txBody>
+      </p:sp>
+      <p:sp>
+        <p:nvSpPr>
+          <p:cNvPr id="8" name="TextBox 7"/>
+          <p:cNvSpPr txBox="1"/>
+          <p:nvPr/>
+        </p:nvSpPr>
+        <p:spPr>
+          <a:xfrm>
+            <a:off x="992560" y="1372706"/>
+            <a:ext cx="4896544" cy="400110"/>
+          </a:xfrm>
+          <a:prstGeom prst="rect">
+            <a:avLst/>
+          </a:prstGeom>
+          <a:noFill/>
+        </p:spPr>
+        <p:txBody>
+          <a:bodyPr wrap="square" rtlCol="0">
+            <a:spAutoFit/>
+          </a:bodyPr>
+          <a:lstStyle/>
+          <a:p>
+            <a:pPr marL="342900" indent="-342900">
+              <a:buFont typeface="Wingdings" panose="05000000000000000000" pitchFamily="2" charset="2"/>
+              <a:buChar char="l"/>
+            </a:pPr>
+            <a:r>
+              <a:rPr lang="en-US" altLang="ko-KR" sz="2000" dirty="0" smtClean="0"/>
+              <a:t>account/login </a:t>
+            </a:r>
+            <a:r>
+              <a:rPr lang="ko-KR" altLang="en-US" sz="2000" dirty="0" smtClean="0"/>
+              <a:t>요청</a:t>
+            </a:r>
+            <a:endParaRPr lang="en-US" altLang="ko-KR" sz="2000" dirty="0"/>
+          </a:p>
+        </p:txBody>
+      </p:sp>
+      <p:pic>
+        <p:nvPicPr>
+          <p:cNvPr id="6" name="그림 5"/>
+          <p:cNvPicPr>
+            <a:picLocks noChangeAspect="1"/>
+          </p:cNvPicPr>
+          <p:nvPr/>
+        </p:nvPicPr>
+        <p:blipFill>
+          <a:blip r:embed="rId2">
+            <a:extLst>
+              <a:ext uri="{28A0092B-C50C-407E-A947-70E740481C1C}">
+                <a14:useLocalDpi xmlns:a14="http://schemas.microsoft.com/office/drawing/2010/main" val="0"/>
+              </a:ext>
+            </a:extLst>
+          </a:blip>
+          <a:stretch>
+            <a:fillRect/>
+          </a:stretch>
+        </p:blipFill>
+        <p:spPr>
+          <a:xfrm>
+            <a:off x="1496616" y="2060848"/>
+            <a:ext cx="6378493" cy="2187130"/>
+          </a:xfrm>
+          <a:prstGeom prst="rect">
+            <a:avLst/>
+          </a:prstGeom>
+          <a:ln>
+            <a:solidFill>
+              <a:schemeClr val="bg1">
+                <a:lumMod val="85000"/>
+              </a:schemeClr>
+            </a:solidFill>
+          </a:ln>
+        </p:spPr>
+      </p:pic>
+    </p:spTree>
+    <p:extLst>
+      <p:ext uri="{BB962C8B-B14F-4D97-AF65-F5344CB8AC3E}">
+        <p14:creationId xmlns:p14="http://schemas.microsoft.com/office/powerpoint/2010/main" val="2621600298"/>
+      </p:ext>
+    </p:extLst>
+  </p:cSld>
+  <p:clrMapOvr>
+    <a:masterClrMapping/>
+  </p:clrMapOvr>
+  <p:timing>
+    <p:tnLst>
+      <p:par>
+        <p:cTn id="1" dur="indefinite" restart="never" nodeType="tmRoot"/>
+      </p:par>
+    </p:tnLst>
+  </p:timing>
+</p:sld>
+</file>
+
+<file path=ppt/slides/slide39.xml><?xml version="1.0" encoding="utf-8"?>
+<p:sld xmlns:a="http://schemas.openxmlformats.org/drawingml/2006/main" xmlns:r="http://schemas.openxmlformats.org/officeDocument/2006/relationships" xmlns:p="http://schemas.openxmlformats.org/presentationml/2006/main">
+  <p:cSld>
+    <p:spTree>
+      <p:nvGrpSpPr>
+        <p:cNvPr id="1" name=""/>
+        <p:cNvGrpSpPr/>
+        <p:nvPr/>
+      </p:nvGrpSpPr>
+      <p:grpSpPr>
+        <a:xfrm>
+          <a:off x="0" y="0"/>
+          <a:ext cx="0" cy="0"/>
+          <a:chOff x="0" y="0"/>
+          <a:chExt cx="0" cy="0"/>
+        </a:xfrm>
+      </p:grpSpPr>
+      <p:sp>
+        <p:nvSpPr>
+          <p:cNvPr id="2" name="제목 1"/>
+          <p:cNvSpPr>
+            <a:spLocks noGrp="1"/>
+          </p:cNvSpPr>
+          <p:nvPr>
+            <p:ph type="title"/>
+          </p:nvPr>
+        </p:nvSpPr>
+        <p:spPr>
+          <a:xfrm>
+            <a:off x="628137" y="151113"/>
+            <a:ext cx="6201139" cy="854968"/>
+          </a:xfrm>
+        </p:spPr>
+        <p:txBody>
+          <a:bodyPr/>
+          <a:lstStyle/>
+          <a:p>
+            <a:pPr marL="342900" indent="-342900">
+              <a:lnSpc>
+                <a:spcPct val="150000"/>
+              </a:lnSpc>
+            </a:pPr>
+            <a:r>
+              <a:rPr lang="en-US" altLang="ko-KR" dirty="0"/>
+              <a:t> </a:t>
+            </a:r>
+            <a:r>
+              <a:rPr lang="ko-KR" altLang="en-US" dirty="0" smtClean="0"/>
+              <a:t>소셜 로그인</a:t>
+            </a:r>
+            <a:endParaRPr lang="en-US" altLang="ko-KR" dirty="0"/>
+          </a:p>
+        </p:txBody>
+      </p:sp>
+      <p:sp>
+        <p:nvSpPr>
+          <p:cNvPr id="4" name="슬라이드 번호 개체 틀 3"/>
+          <p:cNvSpPr>
+            <a:spLocks noGrp="1"/>
+          </p:cNvSpPr>
+          <p:nvPr>
+            <p:ph type="sldNum" sz="quarter" idx="12"/>
+          </p:nvPr>
+        </p:nvSpPr>
+        <p:spPr/>
+        <p:txBody>
+          <a:bodyPr/>
+          <a:lstStyle/>
+          <a:p>
+            <a:fld id="{1BDE3FE7-3AEA-4B05-AC5A-802D1816ACF0}" type="slidenum">
+              <a:rPr lang="ko-KR" altLang="en-US" smtClean="0"/>
+              <a:t>39</a:t>
+            </a:fld>
+            <a:endParaRPr lang="ko-KR" altLang="en-US"/>
+          </a:p>
+        </p:txBody>
+      </p:sp>
+      <p:sp>
+        <p:nvSpPr>
+          <p:cNvPr id="8" name="TextBox 7"/>
+          <p:cNvSpPr txBox="1"/>
+          <p:nvPr/>
+        </p:nvSpPr>
+        <p:spPr>
+          <a:xfrm>
+            <a:off x="992560" y="1372706"/>
+            <a:ext cx="4896544" cy="400110"/>
+          </a:xfrm>
+          <a:prstGeom prst="rect">
+            <a:avLst/>
+          </a:prstGeom>
+          <a:noFill/>
+        </p:spPr>
+        <p:txBody>
+          <a:bodyPr wrap="square" rtlCol="0">
+            <a:spAutoFit/>
+          </a:bodyPr>
+          <a:lstStyle/>
+          <a:p>
+            <a:pPr marL="342900" indent="-342900">
+              <a:buFont typeface="Wingdings" panose="05000000000000000000" pitchFamily="2" charset="2"/>
+              <a:buChar char="l"/>
+            </a:pPr>
+            <a:r>
+              <a:rPr lang="en-US" altLang="ko-KR" sz="2000" dirty="0" smtClean="0"/>
+              <a:t>navbar.html</a:t>
+            </a:r>
+            <a:endParaRPr lang="en-US" altLang="ko-KR" sz="2000" dirty="0"/>
+          </a:p>
+        </p:txBody>
+      </p:sp>
+      <p:pic>
+        <p:nvPicPr>
+          <p:cNvPr id="3" name="그림 2"/>
+          <p:cNvPicPr>
+            <a:picLocks noChangeAspect="1"/>
+          </p:cNvPicPr>
+          <p:nvPr/>
+        </p:nvPicPr>
+        <p:blipFill>
+          <a:blip r:embed="rId2">
+            <a:extLst>
+              <a:ext uri="{28A0092B-C50C-407E-A947-70E740481C1C}">
+                <a14:useLocalDpi xmlns:a14="http://schemas.microsoft.com/office/drawing/2010/main" val="0"/>
+              </a:ext>
+            </a:extLst>
+          </a:blip>
+          <a:stretch>
+            <a:fillRect/>
+          </a:stretch>
+        </p:blipFill>
+        <p:spPr>
+          <a:xfrm>
+            <a:off x="776536" y="1988840"/>
+            <a:ext cx="8225296" cy="3817618"/>
+          </a:xfrm>
+          <a:prstGeom prst="rect">
+            <a:avLst/>
+          </a:prstGeom>
+          <a:ln>
+            <a:solidFill>
+              <a:schemeClr val="bg1">
+                <a:lumMod val="85000"/>
+              </a:schemeClr>
+            </a:solidFill>
+          </a:ln>
+        </p:spPr>
+      </p:pic>
+    </p:spTree>
+    <p:extLst>
+      <p:ext uri="{BB962C8B-B14F-4D97-AF65-F5344CB8AC3E}">
+        <p14:creationId xmlns:p14="http://schemas.microsoft.com/office/powerpoint/2010/main" val="2805522518"/>
+      </p:ext>
+    </p:extLst>
+  </p:cSld>
+  <p:clrMapOvr>
+    <a:masterClrMapping/>
+  </p:clrMapOvr>
+  <p:timing>
+    <p:tnLst>
+      <p:par>
+        <p:cTn id="1" dur="indefinite" restart="never" nodeType="tmRoot"/>
+      </p:par>
+    </p:tnLst>
+  </p:timing>
+</p:sld>
+</file>
+
 <file path=ppt/slides/slide4.xml><?xml version="1.0" encoding="utf-8"?>
 <p:sld xmlns:a="http://schemas.openxmlformats.org/drawingml/2006/main" xmlns:r="http://schemas.openxmlformats.org/officeDocument/2006/relationships" xmlns:p="http://schemas.openxmlformats.org/presentationml/2006/main">
   <p:cSld>
@@ -9728,6 +12127,174 @@
     <p:extLst>
       <p:ext uri="{BB962C8B-B14F-4D97-AF65-F5344CB8AC3E}">
         <p14:creationId xmlns:p14="http://schemas.microsoft.com/office/powerpoint/2010/main" val="3724923775"/>
+      </p:ext>
+    </p:extLst>
+  </p:cSld>
+  <p:clrMapOvr>
+    <a:masterClrMapping/>
+  </p:clrMapOvr>
+  <p:timing>
+    <p:tnLst>
+      <p:par>
+        <p:cTn id="1" dur="indefinite" restart="never" nodeType="tmRoot"/>
+      </p:par>
+    </p:tnLst>
+  </p:timing>
+</p:sld>
+</file>
+
+<file path=ppt/slides/slide40.xml><?xml version="1.0" encoding="utf-8"?>
+<p:sld xmlns:a="http://schemas.openxmlformats.org/drawingml/2006/main" xmlns:r="http://schemas.openxmlformats.org/officeDocument/2006/relationships" xmlns:p="http://schemas.openxmlformats.org/presentationml/2006/main">
+  <p:cSld>
+    <p:spTree>
+      <p:nvGrpSpPr>
+        <p:cNvPr id="1" name=""/>
+        <p:cNvGrpSpPr/>
+        <p:nvPr/>
+      </p:nvGrpSpPr>
+      <p:grpSpPr>
+        <a:xfrm>
+          <a:off x="0" y="0"/>
+          <a:ext cx="0" cy="0"/>
+          <a:chOff x="0" y="0"/>
+          <a:chExt cx="0" cy="0"/>
+        </a:xfrm>
+      </p:grpSpPr>
+      <p:sp>
+        <p:nvSpPr>
+          <p:cNvPr id="2" name="제목 1"/>
+          <p:cNvSpPr>
+            <a:spLocks noGrp="1"/>
+          </p:cNvSpPr>
+          <p:nvPr>
+            <p:ph type="title"/>
+          </p:nvPr>
+        </p:nvSpPr>
+        <p:spPr>
+          <a:xfrm>
+            <a:off x="628137" y="151113"/>
+            <a:ext cx="6201139" cy="854968"/>
+          </a:xfrm>
+        </p:spPr>
+        <p:txBody>
+          <a:bodyPr/>
+          <a:lstStyle/>
+          <a:p>
+            <a:pPr marL="342900" indent="-342900">
+              <a:lnSpc>
+                <a:spcPct val="150000"/>
+              </a:lnSpc>
+            </a:pPr>
+            <a:r>
+              <a:rPr lang="en-US" altLang="ko-KR" dirty="0"/>
+              <a:t> </a:t>
+            </a:r>
+            <a:r>
+              <a:rPr lang="ko-KR" altLang="en-US" dirty="0" smtClean="0"/>
+              <a:t>소셜 로그인</a:t>
+            </a:r>
+            <a:endParaRPr lang="en-US" altLang="ko-KR" dirty="0"/>
+          </a:p>
+        </p:txBody>
+      </p:sp>
+      <p:sp>
+        <p:nvSpPr>
+          <p:cNvPr id="4" name="슬라이드 번호 개체 틀 3"/>
+          <p:cNvSpPr>
+            <a:spLocks noGrp="1"/>
+          </p:cNvSpPr>
+          <p:nvPr>
+            <p:ph type="sldNum" sz="quarter" idx="12"/>
+          </p:nvPr>
+        </p:nvSpPr>
+        <p:spPr/>
+        <p:txBody>
+          <a:bodyPr/>
+          <a:lstStyle/>
+          <a:p>
+            <a:fld id="{1BDE3FE7-3AEA-4B05-AC5A-802D1816ACF0}" type="slidenum">
+              <a:rPr lang="ko-KR" altLang="en-US" smtClean="0"/>
+              <a:t>40</a:t>
+            </a:fld>
+            <a:endParaRPr lang="ko-KR" altLang="en-US"/>
+          </a:p>
+        </p:txBody>
+      </p:sp>
+      <p:pic>
+        <p:nvPicPr>
+          <p:cNvPr id="5" name="그림 4"/>
+          <p:cNvPicPr>
+            <a:picLocks noChangeAspect="1"/>
+          </p:cNvPicPr>
+          <p:nvPr/>
+        </p:nvPicPr>
+        <p:blipFill>
+          <a:blip r:embed="rId2">
+            <a:extLst>
+              <a:ext uri="{28A0092B-C50C-407E-A947-70E740481C1C}">
+                <a14:useLocalDpi xmlns:a14="http://schemas.microsoft.com/office/drawing/2010/main" val="0"/>
+              </a:ext>
+            </a:extLst>
+          </a:blip>
+          <a:stretch>
+            <a:fillRect/>
+          </a:stretch>
+        </p:blipFill>
+        <p:spPr>
+          <a:xfrm>
+            <a:off x="992560" y="1844824"/>
+            <a:ext cx="8021936" cy="4270578"/>
+          </a:xfrm>
+          <a:prstGeom prst="rect">
+            <a:avLst/>
+          </a:prstGeom>
+          <a:ln>
+            <a:solidFill>
+              <a:schemeClr val="bg1">
+                <a:lumMod val="85000"/>
+              </a:schemeClr>
+            </a:solidFill>
+          </a:ln>
+        </p:spPr>
+      </p:pic>
+      <p:sp>
+        <p:nvSpPr>
+          <p:cNvPr id="7" name="TextBox 6"/>
+          <p:cNvSpPr txBox="1"/>
+          <p:nvPr/>
+        </p:nvSpPr>
+        <p:spPr>
+          <a:xfrm>
+            <a:off x="992560" y="1372706"/>
+            <a:ext cx="4896544" cy="400110"/>
+          </a:xfrm>
+          <a:prstGeom prst="rect">
+            <a:avLst/>
+          </a:prstGeom>
+          <a:noFill/>
+        </p:spPr>
+        <p:txBody>
+          <a:bodyPr wrap="square" rtlCol="0">
+            <a:spAutoFit/>
+          </a:bodyPr>
+          <a:lstStyle/>
+          <a:p>
+            <a:pPr marL="342900" indent="-342900">
+              <a:buFont typeface="Wingdings" panose="05000000000000000000" pitchFamily="2" charset="2"/>
+              <a:buChar char="l"/>
+            </a:pPr>
+            <a:r>
+              <a:rPr lang="en-US" altLang="ko-KR" sz="2000" dirty="0" smtClean="0"/>
+              <a:t>navbar.html</a:t>
+            </a:r>
+            <a:endParaRPr lang="en-US" altLang="ko-KR" sz="2000" dirty="0"/>
+          </a:p>
+        </p:txBody>
+      </p:sp>
+    </p:spTree>
+    <p:extLst>
+      <p:ext uri="{BB962C8B-B14F-4D97-AF65-F5344CB8AC3E}">
+        <p14:creationId xmlns:p14="http://schemas.microsoft.com/office/powerpoint/2010/main" val="1603187362"/>
       </p:ext>
     </p:extLst>
   </p:cSld>

--- a/django_ppt/blog_ppt/3장. blog 회원 관리.pptx
+++ b/django_ppt/blog_ppt/3장. blog 회원 관리.pptx
@@ -247,7 +247,7 @@
           <a:p>
             <a:fld id="{7665CDAC-D627-4E87-877A-1B781DD4CADC}" type="datetimeFigureOut">
               <a:rPr lang="ko-KR" altLang="en-US" smtClean="0"/>
-              <a:t>2023-07-07</a:t>
+              <a:t>2023-07-08</a:t>
             </a:fld>
             <a:endParaRPr lang="ko-KR" altLang="en-US"/>
           </a:p>
@@ -659,7 +659,7 @@
           <a:p>
             <a:fld id="{C25BCFD5-C4DF-4EBC-B718-C69ED2FBDE6F}" type="datetime1">
               <a:rPr lang="ko-KR" altLang="en-US" smtClean="0"/>
-              <a:t>2023-07-07</a:t>
+              <a:t>2023-07-08</a:t>
             </a:fld>
             <a:endParaRPr lang="ko-KR" altLang="en-US"/>
           </a:p>
@@ -1110,7 +1110,7 @@
           <a:p>
             <a:fld id="{AB448CD7-D367-43D5-B461-ACE552E75063}" type="datetime1">
               <a:rPr lang="ko-KR" altLang="en-US" smtClean="0"/>
-              <a:t>2023-07-07</a:t>
+              <a:t>2023-07-08</a:t>
             </a:fld>
             <a:endParaRPr lang="ko-KR" altLang="en-US"/>
           </a:p>
@@ -1288,7 +1288,7 @@
           <a:p>
             <a:fld id="{B6E49E79-7361-4780-8BEF-7EDE3708298A}" type="datetime1">
               <a:rPr lang="ko-KR" altLang="en-US" smtClean="0"/>
-              <a:t>2023-07-07</a:t>
+              <a:t>2023-07-08</a:t>
             </a:fld>
             <a:endParaRPr lang="ko-KR" altLang="en-US"/>
           </a:p>
@@ -1460,7 +1460,7 @@
           <a:p>
             <a:fld id="{A4D42E3C-B70B-437C-85CF-1286301B9CBA}" type="datetime1">
               <a:rPr lang="ko-KR" altLang="en-US" smtClean="0"/>
-              <a:t>2023-07-07</a:t>
+              <a:t>2023-07-08</a:t>
             </a:fld>
             <a:endParaRPr lang="ko-KR" altLang="en-US"/>
           </a:p>
@@ -1712,7 +1712,7 @@
           <a:p>
             <a:fld id="{B3369A20-5B3D-4D98-A822-26B93D177A40}" type="datetime1">
               <a:rPr lang="ko-KR" altLang="en-US" smtClean="0"/>
-              <a:t>2023-07-07</a:t>
+              <a:t>2023-07-08</a:t>
             </a:fld>
             <a:endParaRPr lang="ko-KR" altLang="en-US"/>
           </a:p>
@@ -1997,7 +1997,7 @@
           <a:p>
             <a:fld id="{685CD4CE-9E43-4F70-A9D8-A2130CA7D92A}" type="datetime1">
               <a:rPr lang="ko-KR" altLang="en-US" smtClean="0"/>
-              <a:t>2023-07-07</a:t>
+              <a:t>2023-07-08</a:t>
             </a:fld>
             <a:endParaRPr lang="ko-KR" altLang="en-US"/>
           </a:p>
@@ -2423,7 +2423,7 @@
           <a:p>
             <a:fld id="{F752BD92-DA3E-4A0B-90C9-7DE5E15B6E96}" type="datetime1">
               <a:rPr lang="ko-KR" altLang="en-US" smtClean="0"/>
-              <a:t>2023-07-07</a:t>
+              <a:t>2023-07-08</a:t>
             </a:fld>
             <a:endParaRPr lang="ko-KR" altLang="en-US"/>
           </a:p>
@@ -2547,7 +2547,7 @@
           <a:p>
             <a:fld id="{8EA2B83A-F366-424E-B742-340ACF856BB5}" type="datetime1">
               <a:rPr lang="ko-KR" altLang="en-US" smtClean="0"/>
-              <a:t>2023-07-07</a:t>
+              <a:t>2023-07-08</a:t>
             </a:fld>
             <a:endParaRPr lang="ko-KR" altLang="en-US"/>
           </a:p>
@@ -2642,7 +2642,7 @@
           <a:p>
             <a:fld id="{9A49D68B-5DBD-48E9-A8D4-FCBC4B3DD9C6}" type="datetime1">
               <a:rPr lang="ko-KR" altLang="en-US" smtClean="0"/>
-              <a:t>2023-07-07</a:t>
+              <a:t>2023-07-08</a:t>
             </a:fld>
             <a:endParaRPr lang="ko-KR" altLang="en-US"/>
           </a:p>
@@ -2917,7 +2917,7 @@
           <a:p>
             <a:fld id="{4CAB534F-7D16-467B-9320-91F98915D181}" type="datetime1">
               <a:rPr lang="ko-KR" altLang="en-US" smtClean="0"/>
-              <a:t>2023-07-07</a:t>
+              <a:t>2023-07-08</a:t>
             </a:fld>
             <a:endParaRPr lang="ko-KR" altLang="en-US"/>
           </a:p>
@@ -3169,7 +3169,7 @@
           <a:p>
             <a:fld id="{A390A91F-2F8D-4486-A69D-D680F95444B0}" type="datetime1">
               <a:rPr lang="ko-KR" altLang="en-US" smtClean="0"/>
-              <a:t>2023-07-07</a:t>
+              <a:t>2023-07-08</a:t>
             </a:fld>
             <a:endParaRPr lang="ko-KR" altLang="en-US"/>
           </a:p>
@@ -3348,7 +3348,7 @@
           <a:p>
             <a:fld id="{2238BBEA-E8DD-414A-BF68-FC2AFA7CFF2D}" type="datetime1">
               <a:rPr lang="ko-KR" altLang="en-US" smtClean="0"/>
-              <a:t>2023-07-07</a:t>
+              <a:t>2023-07-08</a:t>
             </a:fld>
             <a:endParaRPr lang="ko-KR" altLang="en-US"/>
           </a:p>
@@ -9049,19 +9049,7 @@
             </a:r>
             <a:r>
               <a:rPr lang="en-US" altLang="ko-KR" sz="2000" dirty="0" smtClean="0"/>
-              <a:t>&gt; </a:t>
-            </a:r>
-            <a:r>
-              <a:rPr lang="en-US" altLang="ko-KR" sz="2000" dirty="0" smtClean="0"/>
-              <a:t>Providers </a:t>
-            </a:r>
-            <a:r>
-              <a:rPr lang="en-US" altLang="ko-KR" sz="2000" dirty="0" smtClean="0"/>
-              <a:t>&gt; </a:t>
-            </a:r>
-            <a:r>
-              <a:rPr lang="en-US" altLang="ko-KR" sz="2000" dirty="0" smtClean="0"/>
-              <a:t>Google </a:t>
+              <a:t>&gt; Providers &gt; Google </a:t>
             </a:r>
             <a:endParaRPr lang="en-US" altLang="ko-KR" sz="2000" dirty="0"/>
           </a:p>
@@ -9237,19 +9225,7 @@
             </a:pPr>
             <a:r>
               <a:rPr lang="ko-KR" altLang="en-US" sz="2000" dirty="0" smtClean="0"/>
-              <a:t>구글</a:t>
-            </a:r>
-            <a:r>
-              <a:rPr lang="ko-KR" altLang="en-US" sz="2000" dirty="0" smtClean="0"/>
-              <a:t> </a:t>
-            </a:r>
-            <a:r>
-              <a:rPr lang="ko-KR" altLang="en-US" sz="2000" dirty="0" smtClean="0"/>
-              <a:t>개발자 </a:t>
-            </a:r>
-            <a:r>
-              <a:rPr lang="ko-KR" altLang="en-US" sz="2000" dirty="0" smtClean="0"/>
-              <a:t>센터</a:t>
+              <a:t>구글 개발자 센터</a:t>
             </a:r>
             <a:r>
               <a:rPr lang="en-US" altLang="ko-KR" sz="2000" dirty="0" smtClean="0"/>
@@ -9289,9 +9265,26 @@
           <a:lstStyle/>
           <a:p>
             <a:r>
-              <a:rPr lang="ko-KR" altLang="en-US" sz="2000" dirty="0"/>
-              <a:t>https://console.cloud.google.com/projectcreate</a:t>
-            </a:r>
+              <a:rPr lang="ko-KR" altLang="en-US" sz="2000" b="1" dirty="0">
+                <a:solidFill>
+                  <a:srgbClr val="0070C0"/>
+                </a:solidFill>
+              </a:rPr>
+              <a:t>https://</a:t>
+            </a:r>
+            <a:r>
+              <a:rPr lang="ko-KR" altLang="en-US" sz="2000" b="1" dirty="0" smtClean="0">
+                <a:solidFill>
+                  <a:srgbClr val="0070C0"/>
+                </a:solidFill>
+              </a:rPr>
+              <a:t>console.cloud.google.com</a:t>
+            </a:r>
+            <a:r>
+              <a:rPr lang="ko-KR" altLang="en-US" sz="2000" dirty="0" smtClean="0"/>
+              <a:t>/projectcreate</a:t>
+            </a:r>
+            <a:endParaRPr lang="ko-KR" altLang="en-US" sz="2000" dirty="0"/>
           </a:p>
         </p:txBody>
       </p:sp>
